--- a/WebUSB-LED.pptx
+++ b/WebUSB-LED.pptx
@@ -6402,1276 +6402,6 @@
       </p:cxnSp>
       <p:sp>
         <p:nvSpPr>
-          <p:cNvPr id="117" name="Freeform: Shape 116">
-            <a:extLst>
-              <a:ext uri="{FF2B5EF4-FFF2-40B4-BE49-F238E27FC236}">
-                <a16:creationId xmlns:a16="http://schemas.microsoft.com/office/drawing/2014/main" id="{85E4ECE5-D32A-4A2E-9E7B-B44E72A1F2A3}"/>
-              </a:ext>
-            </a:extLst>
-          </p:cNvPr>
-          <p:cNvSpPr/>
-          <p:nvPr/>
-        </p:nvSpPr>
-        <p:spPr>
-          <a:xfrm>
-            <a:off x="783771" y="2076613"/>
-            <a:ext cx="2438400" cy="3401078"/>
-          </a:xfrm>
-          <a:custGeom>
-            <a:avLst/>
-            <a:gdLst>
-              <a:gd name="connsiteX0" fmla="*/ 43543 w 2438400"/>
-              <a:gd name="connsiteY0" fmla="*/ 257284 h 3401078"/>
-              <a:gd name="connsiteX1" fmla="*/ 104503 w 2438400"/>
-              <a:gd name="connsiteY1" fmla="*/ 187616 h 3401078"/>
-              <a:gd name="connsiteX2" fmla="*/ 130629 w 2438400"/>
-              <a:gd name="connsiteY2" fmla="*/ 170198 h 3401078"/>
-              <a:gd name="connsiteX3" fmla="*/ 191589 w 2438400"/>
-              <a:gd name="connsiteY3" fmla="*/ 117947 h 3401078"/>
-              <a:gd name="connsiteX4" fmla="*/ 226423 w 2438400"/>
-              <a:gd name="connsiteY4" fmla="*/ 100530 h 3401078"/>
-              <a:gd name="connsiteX5" fmla="*/ 261258 w 2438400"/>
-              <a:gd name="connsiteY5" fmla="*/ 74404 h 3401078"/>
-              <a:gd name="connsiteX6" fmla="*/ 374469 w 2438400"/>
-              <a:gd name="connsiteY6" fmla="*/ 48278 h 3401078"/>
-              <a:gd name="connsiteX7" fmla="*/ 435429 w 2438400"/>
-              <a:gd name="connsiteY7" fmla="*/ 30861 h 3401078"/>
-              <a:gd name="connsiteX8" fmla="*/ 487680 w 2438400"/>
-              <a:gd name="connsiteY8" fmla="*/ 22153 h 3401078"/>
-              <a:gd name="connsiteX9" fmla="*/ 513806 w 2438400"/>
-              <a:gd name="connsiteY9" fmla="*/ 13444 h 3401078"/>
-              <a:gd name="connsiteX10" fmla="*/ 1071155 w 2438400"/>
-              <a:gd name="connsiteY10" fmla="*/ 39570 h 3401078"/>
-              <a:gd name="connsiteX11" fmla="*/ 1123406 w 2438400"/>
-              <a:gd name="connsiteY11" fmla="*/ 56987 h 3401078"/>
-              <a:gd name="connsiteX12" fmla="*/ 1184366 w 2438400"/>
-              <a:gd name="connsiteY12" fmla="*/ 91821 h 3401078"/>
-              <a:gd name="connsiteX13" fmla="*/ 1193075 w 2438400"/>
-              <a:gd name="connsiteY13" fmla="*/ 117947 h 3401078"/>
-              <a:gd name="connsiteX14" fmla="*/ 1227909 w 2438400"/>
-              <a:gd name="connsiteY14" fmla="*/ 170198 h 3401078"/>
-              <a:gd name="connsiteX15" fmla="*/ 1219200 w 2438400"/>
-              <a:gd name="connsiteY15" fmla="*/ 370496 h 3401078"/>
-              <a:gd name="connsiteX16" fmla="*/ 1201783 w 2438400"/>
-              <a:gd name="connsiteY16" fmla="*/ 396621 h 3401078"/>
-              <a:gd name="connsiteX17" fmla="*/ 1123406 w 2438400"/>
-              <a:gd name="connsiteY17" fmla="*/ 457581 h 3401078"/>
-              <a:gd name="connsiteX18" fmla="*/ 1045029 w 2438400"/>
-              <a:gd name="connsiteY18" fmla="*/ 483707 h 3401078"/>
-              <a:gd name="connsiteX19" fmla="*/ 992778 w 2438400"/>
-              <a:gd name="connsiteY19" fmla="*/ 501124 h 3401078"/>
-              <a:gd name="connsiteX20" fmla="*/ 914400 w 2438400"/>
-              <a:gd name="connsiteY20" fmla="*/ 518541 h 3401078"/>
-              <a:gd name="connsiteX21" fmla="*/ 888275 w 2438400"/>
-              <a:gd name="connsiteY21" fmla="*/ 527250 h 3401078"/>
-              <a:gd name="connsiteX22" fmla="*/ 836023 w 2438400"/>
-              <a:gd name="connsiteY22" fmla="*/ 570793 h 3401078"/>
-              <a:gd name="connsiteX23" fmla="*/ 818606 w 2438400"/>
-              <a:gd name="connsiteY23" fmla="*/ 736256 h 3401078"/>
-              <a:gd name="connsiteX24" fmla="*/ 801189 w 2438400"/>
-              <a:gd name="connsiteY24" fmla="*/ 771090 h 3401078"/>
-              <a:gd name="connsiteX25" fmla="*/ 809898 w 2438400"/>
-              <a:gd name="connsiteY25" fmla="*/ 919136 h 3401078"/>
-              <a:gd name="connsiteX26" fmla="*/ 827315 w 2438400"/>
-              <a:gd name="connsiteY26" fmla="*/ 945261 h 3401078"/>
-              <a:gd name="connsiteX27" fmla="*/ 836023 w 2438400"/>
-              <a:gd name="connsiteY27" fmla="*/ 1572278 h 3401078"/>
-              <a:gd name="connsiteX28" fmla="*/ 862149 w 2438400"/>
-              <a:gd name="connsiteY28" fmla="*/ 1650656 h 3401078"/>
-              <a:gd name="connsiteX29" fmla="*/ 870858 w 2438400"/>
-              <a:gd name="connsiteY29" fmla="*/ 1685490 h 3401078"/>
-              <a:gd name="connsiteX30" fmla="*/ 888275 w 2438400"/>
-              <a:gd name="connsiteY30" fmla="*/ 1772576 h 3401078"/>
-              <a:gd name="connsiteX31" fmla="*/ 896983 w 2438400"/>
-              <a:gd name="connsiteY31" fmla="*/ 2120918 h 3401078"/>
-              <a:gd name="connsiteX32" fmla="*/ 914400 w 2438400"/>
-              <a:gd name="connsiteY32" fmla="*/ 2155753 h 3401078"/>
-              <a:gd name="connsiteX33" fmla="*/ 923109 w 2438400"/>
-              <a:gd name="connsiteY33" fmla="*/ 2181878 h 3401078"/>
-              <a:gd name="connsiteX34" fmla="*/ 966652 w 2438400"/>
-              <a:gd name="connsiteY34" fmla="*/ 2234130 h 3401078"/>
-              <a:gd name="connsiteX35" fmla="*/ 1036320 w 2438400"/>
-              <a:gd name="connsiteY35" fmla="*/ 2260256 h 3401078"/>
-              <a:gd name="connsiteX36" fmla="*/ 1114698 w 2438400"/>
-              <a:gd name="connsiteY36" fmla="*/ 2277673 h 3401078"/>
-              <a:gd name="connsiteX37" fmla="*/ 2037806 w 2438400"/>
-              <a:gd name="connsiteY37" fmla="*/ 2277673 h 3401078"/>
-              <a:gd name="connsiteX38" fmla="*/ 2124892 w 2438400"/>
-              <a:gd name="connsiteY38" fmla="*/ 2303798 h 3401078"/>
-              <a:gd name="connsiteX39" fmla="*/ 2177143 w 2438400"/>
-              <a:gd name="connsiteY39" fmla="*/ 2321216 h 3401078"/>
-              <a:gd name="connsiteX40" fmla="*/ 2211978 w 2438400"/>
-              <a:gd name="connsiteY40" fmla="*/ 2338633 h 3401078"/>
-              <a:gd name="connsiteX41" fmla="*/ 2299063 w 2438400"/>
-              <a:gd name="connsiteY41" fmla="*/ 2364758 h 3401078"/>
-              <a:gd name="connsiteX42" fmla="*/ 2333898 w 2438400"/>
-              <a:gd name="connsiteY42" fmla="*/ 2382176 h 3401078"/>
-              <a:gd name="connsiteX43" fmla="*/ 2412275 w 2438400"/>
-              <a:gd name="connsiteY43" fmla="*/ 2425718 h 3401078"/>
-              <a:gd name="connsiteX44" fmla="*/ 2438400 w 2438400"/>
-              <a:gd name="connsiteY44" fmla="*/ 2643433 h 3401078"/>
-              <a:gd name="connsiteX45" fmla="*/ 2429692 w 2438400"/>
-              <a:gd name="connsiteY45" fmla="*/ 2852438 h 3401078"/>
-              <a:gd name="connsiteX46" fmla="*/ 2412275 w 2438400"/>
-              <a:gd name="connsiteY46" fmla="*/ 2904690 h 3401078"/>
-              <a:gd name="connsiteX47" fmla="*/ 2403566 w 2438400"/>
-              <a:gd name="connsiteY47" fmla="*/ 2930816 h 3401078"/>
-              <a:gd name="connsiteX48" fmla="*/ 2394858 w 2438400"/>
-              <a:gd name="connsiteY48" fmla="*/ 2983067 h 3401078"/>
-              <a:gd name="connsiteX49" fmla="*/ 2377440 w 2438400"/>
-              <a:gd name="connsiteY49" fmla="*/ 3052736 h 3401078"/>
-              <a:gd name="connsiteX50" fmla="*/ 2342606 w 2438400"/>
-              <a:gd name="connsiteY50" fmla="*/ 3279158 h 3401078"/>
-              <a:gd name="connsiteX51" fmla="*/ 2316480 w 2438400"/>
-              <a:gd name="connsiteY51" fmla="*/ 3287867 h 3401078"/>
-              <a:gd name="connsiteX52" fmla="*/ 2299063 w 2438400"/>
-              <a:gd name="connsiteY52" fmla="*/ 3313993 h 3401078"/>
-              <a:gd name="connsiteX53" fmla="*/ 2272938 w 2438400"/>
-              <a:gd name="connsiteY53" fmla="*/ 3322701 h 3401078"/>
-              <a:gd name="connsiteX54" fmla="*/ 2203269 w 2438400"/>
-              <a:gd name="connsiteY54" fmla="*/ 3340118 h 3401078"/>
-              <a:gd name="connsiteX55" fmla="*/ 2168435 w 2438400"/>
-              <a:gd name="connsiteY55" fmla="*/ 3348827 h 3401078"/>
-              <a:gd name="connsiteX56" fmla="*/ 2124892 w 2438400"/>
-              <a:gd name="connsiteY56" fmla="*/ 3366244 h 3401078"/>
-              <a:gd name="connsiteX57" fmla="*/ 2072640 w 2438400"/>
-              <a:gd name="connsiteY57" fmla="*/ 3374953 h 3401078"/>
-              <a:gd name="connsiteX58" fmla="*/ 2037806 w 2438400"/>
-              <a:gd name="connsiteY58" fmla="*/ 3383661 h 3401078"/>
-              <a:gd name="connsiteX59" fmla="*/ 2011680 w 2438400"/>
-              <a:gd name="connsiteY59" fmla="*/ 3392370 h 3401078"/>
-              <a:gd name="connsiteX60" fmla="*/ 1933303 w 2438400"/>
-              <a:gd name="connsiteY60" fmla="*/ 3401078 h 3401078"/>
-              <a:gd name="connsiteX61" fmla="*/ 1663338 w 2438400"/>
-              <a:gd name="connsiteY61" fmla="*/ 3392370 h 3401078"/>
-              <a:gd name="connsiteX62" fmla="*/ 1628503 w 2438400"/>
-              <a:gd name="connsiteY62" fmla="*/ 3383661 h 3401078"/>
-              <a:gd name="connsiteX63" fmla="*/ 1584960 w 2438400"/>
-              <a:gd name="connsiteY63" fmla="*/ 3374953 h 3401078"/>
-              <a:gd name="connsiteX64" fmla="*/ 1515292 w 2438400"/>
-              <a:gd name="connsiteY64" fmla="*/ 3366244 h 3401078"/>
-              <a:gd name="connsiteX65" fmla="*/ 1463040 w 2438400"/>
-              <a:gd name="connsiteY65" fmla="*/ 3357536 h 3401078"/>
-              <a:gd name="connsiteX66" fmla="*/ 1419498 w 2438400"/>
-              <a:gd name="connsiteY66" fmla="*/ 3340118 h 3401078"/>
-              <a:gd name="connsiteX67" fmla="*/ 1384663 w 2438400"/>
-              <a:gd name="connsiteY67" fmla="*/ 3322701 h 3401078"/>
-              <a:gd name="connsiteX68" fmla="*/ 1306286 w 2438400"/>
-              <a:gd name="connsiteY68" fmla="*/ 3296576 h 3401078"/>
-              <a:gd name="connsiteX69" fmla="*/ 1254035 w 2438400"/>
-              <a:gd name="connsiteY69" fmla="*/ 3279158 h 3401078"/>
-              <a:gd name="connsiteX70" fmla="*/ 1227909 w 2438400"/>
-              <a:gd name="connsiteY70" fmla="*/ 3270450 h 3401078"/>
-              <a:gd name="connsiteX71" fmla="*/ 1201783 w 2438400"/>
-              <a:gd name="connsiteY71" fmla="*/ 3253033 h 3401078"/>
-              <a:gd name="connsiteX72" fmla="*/ 1045029 w 2438400"/>
-              <a:gd name="connsiteY72" fmla="*/ 3218198 h 3401078"/>
-              <a:gd name="connsiteX73" fmla="*/ 1018903 w 2438400"/>
-              <a:gd name="connsiteY73" fmla="*/ 3209490 h 3401078"/>
-              <a:gd name="connsiteX74" fmla="*/ 984069 w 2438400"/>
-              <a:gd name="connsiteY74" fmla="*/ 3192073 h 3401078"/>
-              <a:gd name="connsiteX75" fmla="*/ 905692 w 2438400"/>
-              <a:gd name="connsiteY75" fmla="*/ 3174656 h 3401078"/>
-              <a:gd name="connsiteX76" fmla="*/ 853440 w 2438400"/>
-              <a:gd name="connsiteY76" fmla="*/ 3157238 h 3401078"/>
-              <a:gd name="connsiteX77" fmla="*/ 783772 w 2438400"/>
-              <a:gd name="connsiteY77" fmla="*/ 3139821 h 3401078"/>
-              <a:gd name="connsiteX78" fmla="*/ 757646 w 2438400"/>
-              <a:gd name="connsiteY78" fmla="*/ 3131113 h 3401078"/>
-              <a:gd name="connsiteX79" fmla="*/ 644435 w 2438400"/>
-              <a:gd name="connsiteY79" fmla="*/ 3113696 h 3401078"/>
-              <a:gd name="connsiteX80" fmla="*/ 592183 w 2438400"/>
-              <a:gd name="connsiteY80" fmla="*/ 3070153 h 3401078"/>
-              <a:gd name="connsiteX81" fmla="*/ 496389 w 2438400"/>
-              <a:gd name="connsiteY81" fmla="*/ 2983067 h 3401078"/>
-              <a:gd name="connsiteX82" fmla="*/ 444138 w 2438400"/>
-              <a:gd name="connsiteY82" fmla="*/ 2930816 h 3401078"/>
-              <a:gd name="connsiteX83" fmla="*/ 365760 w 2438400"/>
-              <a:gd name="connsiteY83" fmla="*/ 2791478 h 3401078"/>
-              <a:gd name="connsiteX84" fmla="*/ 322218 w 2438400"/>
-              <a:gd name="connsiteY84" fmla="*/ 2730518 h 3401078"/>
-              <a:gd name="connsiteX85" fmla="*/ 287383 w 2438400"/>
-              <a:gd name="connsiteY85" fmla="*/ 2669558 h 3401078"/>
-              <a:gd name="connsiteX86" fmla="*/ 278675 w 2438400"/>
-              <a:gd name="connsiteY86" fmla="*/ 2634724 h 3401078"/>
-              <a:gd name="connsiteX87" fmla="*/ 261258 w 2438400"/>
-              <a:gd name="connsiteY87" fmla="*/ 2582473 h 3401078"/>
-              <a:gd name="connsiteX88" fmla="*/ 243840 w 2438400"/>
-              <a:gd name="connsiteY88" fmla="*/ 2521513 h 3401078"/>
-              <a:gd name="connsiteX89" fmla="*/ 226423 w 2438400"/>
-              <a:gd name="connsiteY89" fmla="*/ 2495387 h 3401078"/>
-              <a:gd name="connsiteX90" fmla="*/ 209006 w 2438400"/>
-              <a:gd name="connsiteY90" fmla="*/ 2434427 h 3401078"/>
-              <a:gd name="connsiteX91" fmla="*/ 200298 w 2438400"/>
-              <a:gd name="connsiteY91" fmla="*/ 2390884 h 3401078"/>
-              <a:gd name="connsiteX92" fmla="*/ 182880 w 2438400"/>
-              <a:gd name="connsiteY92" fmla="*/ 2364758 h 3401078"/>
-              <a:gd name="connsiteX93" fmla="*/ 165463 w 2438400"/>
-              <a:gd name="connsiteY93" fmla="*/ 2321216 h 3401078"/>
-              <a:gd name="connsiteX94" fmla="*/ 156755 w 2438400"/>
-              <a:gd name="connsiteY94" fmla="*/ 2295090 h 3401078"/>
-              <a:gd name="connsiteX95" fmla="*/ 139338 w 2438400"/>
-              <a:gd name="connsiteY95" fmla="*/ 2268964 h 3401078"/>
-              <a:gd name="connsiteX96" fmla="*/ 121920 w 2438400"/>
-              <a:gd name="connsiteY96" fmla="*/ 2199296 h 3401078"/>
-              <a:gd name="connsiteX97" fmla="*/ 95795 w 2438400"/>
-              <a:gd name="connsiteY97" fmla="*/ 2147044 h 3401078"/>
-              <a:gd name="connsiteX98" fmla="*/ 78378 w 2438400"/>
-              <a:gd name="connsiteY98" fmla="*/ 2094793 h 3401078"/>
-              <a:gd name="connsiteX99" fmla="*/ 69669 w 2438400"/>
-              <a:gd name="connsiteY99" fmla="*/ 2059958 h 3401078"/>
-              <a:gd name="connsiteX100" fmla="*/ 52252 w 2438400"/>
-              <a:gd name="connsiteY100" fmla="*/ 2025124 h 3401078"/>
-              <a:gd name="connsiteX101" fmla="*/ 43543 w 2438400"/>
-              <a:gd name="connsiteY101" fmla="*/ 1998998 h 3401078"/>
-              <a:gd name="connsiteX102" fmla="*/ 34835 w 2438400"/>
-              <a:gd name="connsiteY102" fmla="*/ 1946747 h 3401078"/>
-              <a:gd name="connsiteX103" fmla="*/ 17418 w 2438400"/>
-              <a:gd name="connsiteY103" fmla="*/ 1903204 h 3401078"/>
-              <a:gd name="connsiteX104" fmla="*/ 26126 w 2438400"/>
-              <a:gd name="connsiteY104" fmla="*/ 1459067 h 3401078"/>
-              <a:gd name="connsiteX105" fmla="*/ 34835 w 2438400"/>
-              <a:gd name="connsiteY105" fmla="*/ 1371981 h 3401078"/>
-              <a:gd name="connsiteX106" fmla="*/ 52252 w 2438400"/>
-              <a:gd name="connsiteY106" fmla="*/ 1311021 h 3401078"/>
-              <a:gd name="connsiteX107" fmla="*/ 69669 w 2438400"/>
-              <a:gd name="connsiteY107" fmla="*/ 1250061 h 3401078"/>
-              <a:gd name="connsiteX108" fmla="*/ 95795 w 2438400"/>
-              <a:gd name="connsiteY108" fmla="*/ 1197810 h 3401078"/>
-              <a:gd name="connsiteX109" fmla="*/ 87086 w 2438400"/>
-              <a:gd name="connsiteY109" fmla="*/ 1102016 h 3401078"/>
-              <a:gd name="connsiteX110" fmla="*/ 69669 w 2438400"/>
-              <a:gd name="connsiteY110" fmla="*/ 1041056 h 3401078"/>
-              <a:gd name="connsiteX111" fmla="*/ 52252 w 2438400"/>
-              <a:gd name="connsiteY111" fmla="*/ 1006221 h 3401078"/>
-              <a:gd name="connsiteX112" fmla="*/ 43543 w 2438400"/>
-              <a:gd name="connsiteY112" fmla="*/ 980096 h 3401078"/>
-              <a:gd name="connsiteX113" fmla="*/ 34835 w 2438400"/>
-              <a:gd name="connsiteY113" fmla="*/ 910427 h 3401078"/>
-              <a:gd name="connsiteX114" fmla="*/ 26126 w 2438400"/>
-              <a:gd name="connsiteY114" fmla="*/ 884301 h 3401078"/>
-              <a:gd name="connsiteX115" fmla="*/ 17418 w 2438400"/>
-              <a:gd name="connsiteY115" fmla="*/ 849467 h 3401078"/>
-              <a:gd name="connsiteX116" fmla="*/ 8709 w 2438400"/>
-              <a:gd name="connsiteY116" fmla="*/ 788507 h 3401078"/>
-              <a:gd name="connsiteX117" fmla="*/ 0 w 2438400"/>
-              <a:gd name="connsiteY117" fmla="*/ 744964 h 3401078"/>
-              <a:gd name="connsiteX118" fmla="*/ 8709 w 2438400"/>
-              <a:gd name="connsiteY118" fmla="*/ 379204 h 3401078"/>
-              <a:gd name="connsiteX119" fmla="*/ 26126 w 2438400"/>
-              <a:gd name="connsiteY119" fmla="*/ 326953 h 3401078"/>
-              <a:gd name="connsiteX120" fmla="*/ 34835 w 2438400"/>
-              <a:gd name="connsiteY120" fmla="*/ 300827 h 3401078"/>
-              <a:gd name="connsiteX121" fmla="*/ 43543 w 2438400"/>
-              <a:gd name="connsiteY121" fmla="*/ 257284 h 3401078"/>
-            </a:gdLst>
-            <a:ahLst/>
-            <a:cxnLst>
-              <a:cxn ang="0">
-                <a:pos x="connsiteX0" y="connsiteY0"/>
-              </a:cxn>
-              <a:cxn ang="0">
-                <a:pos x="connsiteX1" y="connsiteY1"/>
-              </a:cxn>
-              <a:cxn ang="0">
-                <a:pos x="connsiteX2" y="connsiteY2"/>
-              </a:cxn>
-              <a:cxn ang="0">
-                <a:pos x="connsiteX3" y="connsiteY3"/>
-              </a:cxn>
-              <a:cxn ang="0">
-                <a:pos x="connsiteX4" y="connsiteY4"/>
-              </a:cxn>
-              <a:cxn ang="0">
-                <a:pos x="connsiteX5" y="connsiteY5"/>
-              </a:cxn>
-              <a:cxn ang="0">
-                <a:pos x="connsiteX6" y="connsiteY6"/>
-              </a:cxn>
-              <a:cxn ang="0">
-                <a:pos x="connsiteX7" y="connsiteY7"/>
-              </a:cxn>
-              <a:cxn ang="0">
-                <a:pos x="connsiteX8" y="connsiteY8"/>
-              </a:cxn>
-              <a:cxn ang="0">
-                <a:pos x="connsiteX9" y="connsiteY9"/>
-              </a:cxn>
-              <a:cxn ang="0">
-                <a:pos x="connsiteX10" y="connsiteY10"/>
-              </a:cxn>
-              <a:cxn ang="0">
-                <a:pos x="connsiteX11" y="connsiteY11"/>
-              </a:cxn>
-              <a:cxn ang="0">
-                <a:pos x="connsiteX12" y="connsiteY12"/>
-              </a:cxn>
-              <a:cxn ang="0">
-                <a:pos x="connsiteX13" y="connsiteY13"/>
-              </a:cxn>
-              <a:cxn ang="0">
-                <a:pos x="connsiteX14" y="connsiteY14"/>
-              </a:cxn>
-              <a:cxn ang="0">
-                <a:pos x="connsiteX15" y="connsiteY15"/>
-              </a:cxn>
-              <a:cxn ang="0">
-                <a:pos x="connsiteX16" y="connsiteY16"/>
-              </a:cxn>
-              <a:cxn ang="0">
-                <a:pos x="connsiteX17" y="connsiteY17"/>
-              </a:cxn>
-              <a:cxn ang="0">
-                <a:pos x="connsiteX18" y="connsiteY18"/>
-              </a:cxn>
-              <a:cxn ang="0">
-                <a:pos x="connsiteX19" y="connsiteY19"/>
-              </a:cxn>
-              <a:cxn ang="0">
-                <a:pos x="connsiteX20" y="connsiteY20"/>
-              </a:cxn>
-              <a:cxn ang="0">
-                <a:pos x="connsiteX21" y="connsiteY21"/>
-              </a:cxn>
-              <a:cxn ang="0">
-                <a:pos x="connsiteX22" y="connsiteY22"/>
-              </a:cxn>
-              <a:cxn ang="0">
-                <a:pos x="connsiteX23" y="connsiteY23"/>
-              </a:cxn>
-              <a:cxn ang="0">
-                <a:pos x="connsiteX24" y="connsiteY24"/>
-              </a:cxn>
-              <a:cxn ang="0">
-                <a:pos x="connsiteX25" y="connsiteY25"/>
-              </a:cxn>
-              <a:cxn ang="0">
-                <a:pos x="connsiteX26" y="connsiteY26"/>
-              </a:cxn>
-              <a:cxn ang="0">
-                <a:pos x="connsiteX27" y="connsiteY27"/>
-              </a:cxn>
-              <a:cxn ang="0">
-                <a:pos x="connsiteX28" y="connsiteY28"/>
-              </a:cxn>
-              <a:cxn ang="0">
-                <a:pos x="connsiteX29" y="connsiteY29"/>
-              </a:cxn>
-              <a:cxn ang="0">
-                <a:pos x="connsiteX30" y="connsiteY30"/>
-              </a:cxn>
-              <a:cxn ang="0">
-                <a:pos x="connsiteX31" y="connsiteY31"/>
-              </a:cxn>
-              <a:cxn ang="0">
-                <a:pos x="connsiteX32" y="connsiteY32"/>
-              </a:cxn>
-              <a:cxn ang="0">
-                <a:pos x="connsiteX33" y="connsiteY33"/>
-              </a:cxn>
-              <a:cxn ang="0">
-                <a:pos x="connsiteX34" y="connsiteY34"/>
-              </a:cxn>
-              <a:cxn ang="0">
-                <a:pos x="connsiteX35" y="connsiteY35"/>
-              </a:cxn>
-              <a:cxn ang="0">
-                <a:pos x="connsiteX36" y="connsiteY36"/>
-              </a:cxn>
-              <a:cxn ang="0">
-                <a:pos x="connsiteX37" y="connsiteY37"/>
-              </a:cxn>
-              <a:cxn ang="0">
-                <a:pos x="connsiteX38" y="connsiteY38"/>
-              </a:cxn>
-              <a:cxn ang="0">
-                <a:pos x="connsiteX39" y="connsiteY39"/>
-              </a:cxn>
-              <a:cxn ang="0">
-                <a:pos x="connsiteX40" y="connsiteY40"/>
-              </a:cxn>
-              <a:cxn ang="0">
-                <a:pos x="connsiteX41" y="connsiteY41"/>
-              </a:cxn>
-              <a:cxn ang="0">
-                <a:pos x="connsiteX42" y="connsiteY42"/>
-              </a:cxn>
-              <a:cxn ang="0">
-                <a:pos x="connsiteX43" y="connsiteY43"/>
-              </a:cxn>
-              <a:cxn ang="0">
-                <a:pos x="connsiteX44" y="connsiteY44"/>
-              </a:cxn>
-              <a:cxn ang="0">
-                <a:pos x="connsiteX45" y="connsiteY45"/>
-              </a:cxn>
-              <a:cxn ang="0">
-                <a:pos x="connsiteX46" y="connsiteY46"/>
-              </a:cxn>
-              <a:cxn ang="0">
-                <a:pos x="connsiteX47" y="connsiteY47"/>
-              </a:cxn>
-              <a:cxn ang="0">
-                <a:pos x="connsiteX48" y="connsiteY48"/>
-              </a:cxn>
-              <a:cxn ang="0">
-                <a:pos x="connsiteX49" y="connsiteY49"/>
-              </a:cxn>
-              <a:cxn ang="0">
-                <a:pos x="connsiteX50" y="connsiteY50"/>
-              </a:cxn>
-              <a:cxn ang="0">
-                <a:pos x="connsiteX51" y="connsiteY51"/>
-              </a:cxn>
-              <a:cxn ang="0">
-                <a:pos x="connsiteX52" y="connsiteY52"/>
-              </a:cxn>
-              <a:cxn ang="0">
-                <a:pos x="connsiteX53" y="connsiteY53"/>
-              </a:cxn>
-              <a:cxn ang="0">
-                <a:pos x="connsiteX54" y="connsiteY54"/>
-              </a:cxn>
-              <a:cxn ang="0">
-                <a:pos x="connsiteX55" y="connsiteY55"/>
-              </a:cxn>
-              <a:cxn ang="0">
-                <a:pos x="connsiteX56" y="connsiteY56"/>
-              </a:cxn>
-              <a:cxn ang="0">
-                <a:pos x="connsiteX57" y="connsiteY57"/>
-              </a:cxn>
-              <a:cxn ang="0">
-                <a:pos x="connsiteX58" y="connsiteY58"/>
-              </a:cxn>
-              <a:cxn ang="0">
-                <a:pos x="connsiteX59" y="connsiteY59"/>
-              </a:cxn>
-              <a:cxn ang="0">
-                <a:pos x="connsiteX60" y="connsiteY60"/>
-              </a:cxn>
-              <a:cxn ang="0">
-                <a:pos x="connsiteX61" y="connsiteY61"/>
-              </a:cxn>
-              <a:cxn ang="0">
-                <a:pos x="connsiteX62" y="connsiteY62"/>
-              </a:cxn>
-              <a:cxn ang="0">
-                <a:pos x="connsiteX63" y="connsiteY63"/>
-              </a:cxn>
-              <a:cxn ang="0">
-                <a:pos x="connsiteX64" y="connsiteY64"/>
-              </a:cxn>
-              <a:cxn ang="0">
-                <a:pos x="connsiteX65" y="connsiteY65"/>
-              </a:cxn>
-              <a:cxn ang="0">
-                <a:pos x="connsiteX66" y="connsiteY66"/>
-              </a:cxn>
-              <a:cxn ang="0">
-                <a:pos x="connsiteX67" y="connsiteY67"/>
-              </a:cxn>
-              <a:cxn ang="0">
-                <a:pos x="connsiteX68" y="connsiteY68"/>
-              </a:cxn>
-              <a:cxn ang="0">
-                <a:pos x="connsiteX69" y="connsiteY69"/>
-              </a:cxn>
-              <a:cxn ang="0">
-                <a:pos x="connsiteX70" y="connsiteY70"/>
-              </a:cxn>
-              <a:cxn ang="0">
-                <a:pos x="connsiteX71" y="connsiteY71"/>
-              </a:cxn>
-              <a:cxn ang="0">
-                <a:pos x="connsiteX72" y="connsiteY72"/>
-              </a:cxn>
-              <a:cxn ang="0">
-                <a:pos x="connsiteX73" y="connsiteY73"/>
-              </a:cxn>
-              <a:cxn ang="0">
-                <a:pos x="connsiteX74" y="connsiteY74"/>
-              </a:cxn>
-              <a:cxn ang="0">
-                <a:pos x="connsiteX75" y="connsiteY75"/>
-              </a:cxn>
-              <a:cxn ang="0">
-                <a:pos x="connsiteX76" y="connsiteY76"/>
-              </a:cxn>
-              <a:cxn ang="0">
-                <a:pos x="connsiteX77" y="connsiteY77"/>
-              </a:cxn>
-              <a:cxn ang="0">
-                <a:pos x="connsiteX78" y="connsiteY78"/>
-              </a:cxn>
-              <a:cxn ang="0">
-                <a:pos x="connsiteX79" y="connsiteY79"/>
-              </a:cxn>
-              <a:cxn ang="0">
-                <a:pos x="connsiteX80" y="connsiteY80"/>
-              </a:cxn>
-              <a:cxn ang="0">
-                <a:pos x="connsiteX81" y="connsiteY81"/>
-              </a:cxn>
-              <a:cxn ang="0">
-                <a:pos x="connsiteX82" y="connsiteY82"/>
-              </a:cxn>
-              <a:cxn ang="0">
-                <a:pos x="connsiteX83" y="connsiteY83"/>
-              </a:cxn>
-              <a:cxn ang="0">
-                <a:pos x="connsiteX84" y="connsiteY84"/>
-              </a:cxn>
-              <a:cxn ang="0">
-                <a:pos x="connsiteX85" y="connsiteY85"/>
-              </a:cxn>
-              <a:cxn ang="0">
-                <a:pos x="connsiteX86" y="connsiteY86"/>
-              </a:cxn>
-              <a:cxn ang="0">
-                <a:pos x="connsiteX87" y="connsiteY87"/>
-              </a:cxn>
-              <a:cxn ang="0">
-                <a:pos x="connsiteX88" y="connsiteY88"/>
-              </a:cxn>
-              <a:cxn ang="0">
-                <a:pos x="connsiteX89" y="connsiteY89"/>
-              </a:cxn>
-              <a:cxn ang="0">
-                <a:pos x="connsiteX90" y="connsiteY90"/>
-              </a:cxn>
-              <a:cxn ang="0">
-                <a:pos x="connsiteX91" y="connsiteY91"/>
-              </a:cxn>
-              <a:cxn ang="0">
-                <a:pos x="connsiteX92" y="connsiteY92"/>
-              </a:cxn>
-              <a:cxn ang="0">
-                <a:pos x="connsiteX93" y="connsiteY93"/>
-              </a:cxn>
-              <a:cxn ang="0">
-                <a:pos x="connsiteX94" y="connsiteY94"/>
-              </a:cxn>
-              <a:cxn ang="0">
-                <a:pos x="connsiteX95" y="connsiteY95"/>
-              </a:cxn>
-              <a:cxn ang="0">
-                <a:pos x="connsiteX96" y="connsiteY96"/>
-              </a:cxn>
-              <a:cxn ang="0">
-                <a:pos x="connsiteX97" y="connsiteY97"/>
-              </a:cxn>
-              <a:cxn ang="0">
-                <a:pos x="connsiteX98" y="connsiteY98"/>
-              </a:cxn>
-              <a:cxn ang="0">
-                <a:pos x="connsiteX99" y="connsiteY99"/>
-              </a:cxn>
-              <a:cxn ang="0">
-                <a:pos x="connsiteX100" y="connsiteY100"/>
-              </a:cxn>
-              <a:cxn ang="0">
-                <a:pos x="connsiteX101" y="connsiteY101"/>
-              </a:cxn>
-              <a:cxn ang="0">
-                <a:pos x="connsiteX102" y="connsiteY102"/>
-              </a:cxn>
-              <a:cxn ang="0">
-                <a:pos x="connsiteX103" y="connsiteY103"/>
-              </a:cxn>
-              <a:cxn ang="0">
-                <a:pos x="connsiteX104" y="connsiteY104"/>
-              </a:cxn>
-              <a:cxn ang="0">
-                <a:pos x="connsiteX105" y="connsiteY105"/>
-              </a:cxn>
-              <a:cxn ang="0">
-                <a:pos x="connsiteX106" y="connsiteY106"/>
-              </a:cxn>
-              <a:cxn ang="0">
-                <a:pos x="connsiteX107" y="connsiteY107"/>
-              </a:cxn>
-              <a:cxn ang="0">
-                <a:pos x="connsiteX108" y="connsiteY108"/>
-              </a:cxn>
-              <a:cxn ang="0">
-                <a:pos x="connsiteX109" y="connsiteY109"/>
-              </a:cxn>
-              <a:cxn ang="0">
-                <a:pos x="connsiteX110" y="connsiteY110"/>
-              </a:cxn>
-              <a:cxn ang="0">
-                <a:pos x="connsiteX111" y="connsiteY111"/>
-              </a:cxn>
-              <a:cxn ang="0">
-                <a:pos x="connsiteX112" y="connsiteY112"/>
-              </a:cxn>
-              <a:cxn ang="0">
-                <a:pos x="connsiteX113" y="connsiteY113"/>
-              </a:cxn>
-              <a:cxn ang="0">
-                <a:pos x="connsiteX114" y="connsiteY114"/>
-              </a:cxn>
-              <a:cxn ang="0">
-                <a:pos x="connsiteX115" y="connsiteY115"/>
-              </a:cxn>
-              <a:cxn ang="0">
-                <a:pos x="connsiteX116" y="connsiteY116"/>
-              </a:cxn>
-              <a:cxn ang="0">
-                <a:pos x="connsiteX117" y="connsiteY117"/>
-              </a:cxn>
-              <a:cxn ang="0">
-                <a:pos x="connsiteX118" y="connsiteY118"/>
-              </a:cxn>
-              <a:cxn ang="0">
-                <a:pos x="connsiteX119" y="connsiteY119"/>
-              </a:cxn>
-              <a:cxn ang="0">
-                <a:pos x="connsiteX120" y="connsiteY120"/>
-              </a:cxn>
-              <a:cxn ang="0">
-                <a:pos x="connsiteX121" y="connsiteY121"/>
-              </a:cxn>
-            </a:cxnLst>
-            <a:rect l="l" t="t" r="r" b="b"/>
-            <a:pathLst>
-              <a:path w="2438400" h="3401078">
-                <a:moveTo>
-                  <a:pt x="43543" y="257284"/>
-                </a:moveTo>
-                <a:cubicBezTo>
-                  <a:pt x="55154" y="238416"/>
-                  <a:pt x="80942" y="207250"/>
-                  <a:pt x="104503" y="187616"/>
-                </a:cubicBezTo>
-                <a:cubicBezTo>
-                  <a:pt x="112544" y="180915"/>
-                  <a:pt x="122588" y="176899"/>
-                  <a:pt x="130629" y="170198"/>
-                </a:cubicBezTo>
-                <a:cubicBezTo>
-                  <a:pt x="173373" y="134578"/>
-                  <a:pt x="139414" y="150557"/>
-                  <a:pt x="191589" y="117947"/>
-                </a:cubicBezTo>
-                <a:cubicBezTo>
-                  <a:pt x="202598" y="111067"/>
-                  <a:pt x="215414" y="107410"/>
-                  <a:pt x="226423" y="100530"/>
-                </a:cubicBezTo>
-                <a:cubicBezTo>
-                  <a:pt x="238731" y="92837"/>
-                  <a:pt x="248276" y="80895"/>
-                  <a:pt x="261258" y="74404"/>
-                </a:cubicBezTo>
-                <a:cubicBezTo>
-                  <a:pt x="304077" y="52994"/>
-                  <a:pt x="327651" y="56790"/>
-                  <a:pt x="374469" y="48278"/>
-                </a:cubicBezTo>
-                <a:cubicBezTo>
-                  <a:pt x="478815" y="29306"/>
-                  <a:pt x="351464" y="49520"/>
-                  <a:pt x="435429" y="30861"/>
-                </a:cubicBezTo>
-                <a:cubicBezTo>
-                  <a:pt x="452666" y="27031"/>
-                  <a:pt x="470263" y="25056"/>
-                  <a:pt x="487680" y="22153"/>
-                </a:cubicBezTo>
-                <a:cubicBezTo>
-                  <a:pt x="496389" y="19250"/>
-                  <a:pt x="504626" y="13444"/>
-                  <a:pt x="513806" y="13444"/>
-                </a:cubicBezTo>
-                <a:cubicBezTo>
-                  <a:pt x="1010195" y="13444"/>
-                  <a:pt x="862104" y="-30112"/>
-                  <a:pt x="1071155" y="39570"/>
-                </a:cubicBezTo>
-                <a:lnTo>
-                  <a:pt x="1123406" y="56987"/>
-                </a:lnTo>
-                <a:cubicBezTo>
-                  <a:pt x="1167601" y="79085"/>
-                  <a:pt x="1147438" y="67203"/>
-                  <a:pt x="1184366" y="91821"/>
-                </a:cubicBezTo>
-                <a:cubicBezTo>
-                  <a:pt x="1187269" y="100530"/>
-                  <a:pt x="1187983" y="110309"/>
-                  <a:pt x="1193075" y="117947"/>
-                </a:cubicBezTo>
-                <a:cubicBezTo>
-                  <a:pt x="1236564" y="183182"/>
-                  <a:pt x="1207201" y="108077"/>
-                  <a:pt x="1227909" y="170198"/>
-                </a:cubicBezTo>
-                <a:cubicBezTo>
-                  <a:pt x="1225006" y="236964"/>
-                  <a:pt x="1226860" y="304107"/>
-                  <a:pt x="1219200" y="370496"/>
-                </a:cubicBezTo>
-                <a:cubicBezTo>
-                  <a:pt x="1218000" y="380893"/>
-                  <a:pt x="1208483" y="388581"/>
-                  <a:pt x="1201783" y="396621"/>
-                </a:cubicBezTo>
-                <a:cubicBezTo>
-                  <a:pt x="1184442" y="417431"/>
-                  <a:pt x="1145818" y="450110"/>
-                  <a:pt x="1123406" y="457581"/>
-                </a:cubicBezTo>
-                <a:lnTo>
-                  <a:pt x="1045029" y="483707"/>
-                </a:lnTo>
-                <a:lnTo>
-                  <a:pt x="992778" y="501124"/>
-                </a:lnTo>
-                <a:cubicBezTo>
-                  <a:pt x="962865" y="507107"/>
-                  <a:pt x="943083" y="510346"/>
-                  <a:pt x="914400" y="518541"/>
-                </a:cubicBezTo>
-                <a:cubicBezTo>
-                  <a:pt x="905574" y="521063"/>
-                  <a:pt x="896485" y="523145"/>
-                  <a:pt x="888275" y="527250"/>
-                </a:cubicBezTo>
-                <a:cubicBezTo>
-                  <a:pt x="864025" y="539375"/>
-                  <a:pt x="855285" y="551531"/>
-                  <a:pt x="836023" y="570793"/>
-                </a:cubicBezTo>
-                <a:cubicBezTo>
-                  <a:pt x="832534" y="626619"/>
-                  <a:pt x="840889" y="684263"/>
-                  <a:pt x="818606" y="736256"/>
-                </a:cubicBezTo>
-                <a:cubicBezTo>
-                  <a:pt x="813492" y="748188"/>
-                  <a:pt x="806995" y="759479"/>
-                  <a:pt x="801189" y="771090"/>
-                </a:cubicBezTo>
-                <a:cubicBezTo>
-                  <a:pt x="804092" y="820439"/>
-                  <a:pt x="802565" y="870249"/>
-                  <a:pt x="809898" y="919136"/>
-                </a:cubicBezTo>
-                <a:cubicBezTo>
-                  <a:pt x="811451" y="929486"/>
-                  <a:pt x="826897" y="934803"/>
-                  <a:pt x="827315" y="945261"/>
-                </a:cubicBezTo>
-                <a:cubicBezTo>
-                  <a:pt x="835669" y="1154120"/>
-                  <a:pt x="827990" y="1363407"/>
-                  <a:pt x="836023" y="1572278"/>
-                </a:cubicBezTo>
-                <a:cubicBezTo>
-                  <a:pt x="836419" y="1582574"/>
-                  <a:pt x="857596" y="1632445"/>
-                  <a:pt x="862149" y="1650656"/>
-                </a:cubicBezTo>
-                <a:cubicBezTo>
-                  <a:pt x="865052" y="1662267"/>
-                  <a:pt x="868717" y="1673714"/>
-                  <a:pt x="870858" y="1685490"/>
-                </a:cubicBezTo>
-                <a:cubicBezTo>
-                  <a:pt x="886869" y="1773552"/>
-                  <a:pt x="870389" y="1718921"/>
-                  <a:pt x="888275" y="1772576"/>
-                </a:cubicBezTo>
-                <a:cubicBezTo>
-                  <a:pt x="891178" y="1888690"/>
-                  <a:pt x="889082" y="2005037"/>
-                  <a:pt x="896983" y="2120918"/>
-                </a:cubicBezTo>
-                <a:cubicBezTo>
-                  <a:pt x="897866" y="2133870"/>
-                  <a:pt x="909286" y="2143821"/>
-                  <a:pt x="914400" y="2155753"/>
-                </a:cubicBezTo>
-                <a:cubicBezTo>
-                  <a:pt x="918016" y="2164190"/>
-                  <a:pt x="919004" y="2173668"/>
-                  <a:pt x="923109" y="2181878"/>
-                </a:cubicBezTo>
-                <a:cubicBezTo>
-                  <a:pt x="931597" y="2198853"/>
-                  <a:pt x="951671" y="2223429"/>
-                  <a:pt x="966652" y="2234130"/>
-                </a:cubicBezTo>
-                <a:cubicBezTo>
-                  <a:pt x="993706" y="2253455"/>
-                  <a:pt x="1005934" y="2251574"/>
-                  <a:pt x="1036320" y="2260256"/>
-                </a:cubicBezTo>
-                <a:cubicBezTo>
-                  <a:pt x="1096342" y="2277405"/>
-                  <a:pt x="1020414" y="2261958"/>
-                  <a:pt x="1114698" y="2277673"/>
-                </a:cubicBezTo>
-                <a:cubicBezTo>
-                  <a:pt x="1529218" y="2270764"/>
-                  <a:pt x="1648255" y="2262091"/>
-                  <a:pt x="2037806" y="2277673"/>
-                </a:cubicBezTo>
-                <a:cubicBezTo>
-                  <a:pt x="2052764" y="2278271"/>
-                  <a:pt x="2119097" y="2301866"/>
-                  <a:pt x="2124892" y="2303798"/>
-                </a:cubicBezTo>
-                <a:cubicBezTo>
-                  <a:pt x="2124894" y="2303799"/>
-                  <a:pt x="2177140" y="2321215"/>
-                  <a:pt x="2177143" y="2321216"/>
-                </a:cubicBezTo>
-                <a:cubicBezTo>
-                  <a:pt x="2188755" y="2327022"/>
-                  <a:pt x="2199924" y="2333812"/>
-                  <a:pt x="2211978" y="2338633"/>
-                </a:cubicBezTo>
-                <a:cubicBezTo>
-                  <a:pt x="2247318" y="2352769"/>
-                  <a:pt x="2264845" y="2356204"/>
-                  <a:pt x="2299063" y="2364758"/>
-                </a:cubicBezTo>
-                <a:cubicBezTo>
-                  <a:pt x="2310675" y="2370564"/>
-                  <a:pt x="2322766" y="2375497"/>
-                  <a:pt x="2333898" y="2382176"/>
-                </a:cubicBezTo>
-                <a:cubicBezTo>
-                  <a:pt x="2408756" y="2427091"/>
-                  <a:pt x="2359726" y="2408203"/>
-                  <a:pt x="2412275" y="2425718"/>
-                </a:cubicBezTo>
-                <a:cubicBezTo>
-                  <a:pt x="2447157" y="2530367"/>
-                  <a:pt x="2428727" y="2459636"/>
-                  <a:pt x="2438400" y="2643433"/>
-                </a:cubicBezTo>
-                <a:cubicBezTo>
-                  <a:pt x="2435497" y="2713101"/>
-                  <a:pt x="2436630" y="2783055"/>
-                  <a:pt x="2429692" y="2852438"/>
-                </a:cubicBezTo>
-                <a:cubicBezTo>
-                  <a:pt x="2427865" y="2870706"/>
-                  <a:pt x="2418081" y="2887273"/>
-                  <a:pt x="2412275" y="2904690"/>
-                </a:cubicBezTo>
-                <a:lnTo>
-                  <a:pt x="2403566" y="2930816"/>
-                </a:lnTo>
-                <a:cubicBezTo>
-                  <a:pt x="2400663" y="2948233"/>
-                  <a:pt x="2398558" y="2965802"/>
-                  <a:pt x="2394858" y="2983067"/>
-                </a:cubicBezTo>
-                <a:cubicBezTo>
-                  <a:pt x="2389842" y="3006473"/>
-                  <a:pt x="2377440" y="3052736"/>
-                  <a:pt x="2377440" y="3052736"/>
-                </a:cubicBezTo>
-                <a:cubicBezTo>
-                  <a:pt x="2374139" y="3128655"/>
-                  <a:pt x="2414893" y="3230968"/>
-                  <a:pt x="2342606" y="3279158"/>
-                </a:cubicBezTo>
-                <a:cubicBezTo>
-                  <a:pt x="2334968" y="3284250"/>
-                  <a:pt x="2325189" y="3284964"/>
-                  <a:pt x="2316480" y="3287867"/>
-                </a:cubicBezTo>
-                <a:cubicBezTo>
-                  <a:pt x="2310674" y="3296576"/>
-                  <a:pt x="2307236" y="3307455"/>
-                  <a:pt x="2299063" y="3313993"/>
-                </a:cubicBezTo>
-                <a:cubicBezTo>
-                  <a:pt x="2291895" y="3319727"/>
-                  <a:pt x="2281794" y="3320286"/>
-                  <a:pt x="2272938" y="3322701"/>
-                </a:cubicBezTo>
-                <a:cubicBezTo>
-                  <a:pt x="2249844" y="3328999"/>
-                  <a:pt x="2226492" y="3334312"/>
-                  <a:pt x="2203269" y="3340118"/>
-                </a:cubicBezTo>
-                <a:cubicBezTo>
-                  <a:pt x="2191658" y="3343021"/>
-                  <a:pt x="2179548" y="3344382"/>
-                  <a:pt x="2168435" y="3348827"/>
-                </a:cubicBezTo>
-                <a:cubicBezTo>
-                  <a:pt x="2153921" y="3354633"/>
-                  <a:pt x="2139974" y="3362131"/>
-                  <a:pt x="2124892" y="3366244"/>
-                </a:cubicBezTo>
-                <a:cubicBezTo>
-                  <a:pt x="2107857" y="3370890"/>
-                  <a:pt x="2089955" y="3371490"/>
-                  <a:pt x="2072640" y="3374953"/>
-                </a:cubicBezTo>
-                <a:cubicBezTo>
-                  <a:pt x="2060904" y="3377300"/>
-                  <a:pt x="2049314" y="3380373"/>
-                  <a:pt x="2037806" y="3383661"/>
-                </a:cubicBezTo>
-                <a:cubicBezTo>
-                  <a:pt x="2028979" y="3386183"/>
-                  <a:pt x="2020735" y="3390861"/>
-                  <a:pt x="2011680" y="3392370"/>
-                </a:cubicBezTo>
-                <a:cubicBezTo>
-                  <a:pt x="1985751" y="3396691"/>
-                  <a:pt x="1959429" y="3398175"/>
-                  <a:pt x="1933303" y="3401078"/>
-                </a:cubicBezTo>
-                <a:cubicBezTo>
-                  <a:pt x="1843315" y="3398175"/>
-                  <a:pt x="1753227" y="3397506"/>
-                  <a:pt x="1663338" y="3392370"/>
-                </a:cubicBezTo>
-                <a:cubicBezTo>
-                  <a:pt x="1651388" y="3391687"/>
-                  <a:pt x="1640187" y="3386257"/>
-                  <a:pt x="1628503" y="3383661"/>
-                </a:cubicBezTo>
-                <a:cubicBezTo>
-                  <a:pt x="1614054" y="3380450"/>
-                  <a:pt x="1599590" y="3377204"/>
-                  <a:pt x="1584960" y="3374953"/>
-                </a:cubicBezTo>
-                <a:cubicBezTo>
-                  <a:pt x="1561829" y="3371394"/>
-                  <a:pt x="1538460" y="3369554"/>
-                  <a:pt x="1515292" y="3366244"/>
-                </a:cubicBezTo>
-                <a:cubicBezTo>
-                  <a:pt x="1497812" y="3363747"/>
-                  <a:pt x="1480457" y="3360439"/>
-                  <a:pt x="1463040" y="3357536"/>
-                </a:cubicBezTo>
-                <a:cubicBezTo>
-                  <a:pt x="1448526" y="3351730"/>
-                  <a:pt x="1433783" y="3346467"/>
-                  <a:pt x="1419498" y="3340118"/>
-                </a:cubicBezTo>
-                <a:cubicBezTo>
-                  <a:pt x="1407635" y="3334845"/>
-                  <a:pt x="1396717" y="3327522"/>
-                  <a:pt x="1384663" y="3322701"/>
-                </a:cubicBezTo>
-                <a:cubicBezTo>
-                  <a:pt x="1384632" y="3322689"/>
-                  <a:pt x="1319364" y="3300935"/>
-                  <a:pt x="1306286" y="3296576"/>
-                </a:cubicBezTo>
-                <a:lnTo>
-                  <a:pt x="1254035" y="3279158"/>
-                </a:lnTo>
-                <a:lnTo>
-                  <a:pt x="1227909" y="3270450"/>
-                </a:lnTo>
-                <a:cubicBezTo>
-                  <a:pt x="1219200" y="3264644"/>
-                  <a:pt x="1211619" y="3256610"/>
-                  <a:pt x="1201783" y="3253033"/>
-                </a:cubicBezTo>
-                <a:cubicBezTo>
-                  <a:pt x="1079116" y="3208427"/>
-                  <a:pt x="1185613" y="3265056"/>
-                  <a:pt x="1045029" y="3218198"/>
-                </a:cubicBezTo>
-                <a:cubicBezTo>
-                  <a:pt x="1036320" y="3215295"/>
-                  <a:pt x="1027340" y="3213106"/>
-                  <a:pt x="1018903" y="3209490"/>
-                </a:cubicBezTo>
-                <a:cubicBezTo>
-                  <a:pt x="1006971" y="3204376"/>
-                  <a:pt x="996477" y="3195891"/>
-                  <a:pt x="984069" y="3192073"/>
-                </a:cubicBezTo>
-                <a:cubicBezTo>
-                  <a:pt x="958490" y="3184202"/>
-                  <a:pt x="931551" y="3181552"/>
-                  <a:pt x="905692" y="3174656"/>
-                </a:cubicBezTo>
-                <a:cubicBezTo>
-                  <a:pt x="887952" y="3169925"/>
-                  <a:pt x="871251" y="3161691"/>
-                  <a:pt x="853440" y="3157238"/>
-                </a:cubicBezTo>
-                <a:cubicBezTo>
-                  <a:pt x="830217" y="3151432"/>
-                  <a:pt x="806481" y="3147390"/>
-                  <a:pt x="783772" y="3139821"/>
-                </a:cubicBezTo>
-                <a:cubicBezTo>
-                  <a:pt x="775063" y="3136918"/>
-                  <a:pt x="766607" y="3133104"/>
-                  <a:pt x="757646" y="3131113"/>
-                </a:cubicBezTo>
-                <a:cubicBezTo>
-                  <a:pt x="735881" y="3126276"/>
-                  <a:pt x="663898" y="3116476"/>
-                  <a:pt x="644435" y="3113696"/>
-                </a:cubicBezTo>
-                <a:cubicBezTo>
-                  <a:pt x="594536" y="3097063"/>
-                  <a:pt x="639633" y="3117603"/>
-                  <a:pt x="592183" y="3070153"/>
-                </a:cubicBezTo>
-                <a:cubicBezTo>
-                  <a:pt x="548650" y="3026620"/>
-                  <a:pt x="539319" y="3054616"/>
-                  <a:pt x="496389" y="2983067"/>
-                </a:cubicBezTo>
-                <a:cubicBezTo>
-                  <a:pt x="465540" y="2931653"/>
-                  <a:pt x="486321" y="2944876"/>
-                  <a:pt x="444138" y="2930816"/>
-                </a:cubicBezTo>
-                <a:cubicBezTo>
-                  <a:pt x="388698" y="2782977"/>
-                  <a:pt x="455273" y="2940667"/>
-                  <a:pt x="365760" y="2791478"/>
-                </a:cubicBezTo>
-                <a:cubicBezTo>
-                  <a:pt x="335411" y="2740895"/>
-                  <a:pt x="351603" y="2759905"/>
-                  <a:pt x="322218" y="2730518"/>
-                </a:cubicBezTo>
-                <a:cubicBezTo>
-                  <a:pt x="295578" y="2650603"/>
-                  <a:pt x="340112" y="2775017"/>
-                  <a:pt x="287383" y="2669558"/>
-                </a:cubicBezTo>
-                <a:cubicBezTo>
-                  <a:pt x="282031" y="2658853"/>
-                  <a:pt x="282114" y="2646188"/>
-                  <a:pt x="278675" y="2634724"/>
-                </a:cubicBezTo>
-                <a:cubicBezTo>
-                  <a:pt x="273400" y="2617139"/>
-                  <a:pt x="266302" y="2600126"/>
-                  <a:pt x="261258" y="2582473"/>
-                </a:cubicBezTo>
-                <a:cubicBezTo>
-                  <a:pt x="255452" y="2562153"/>
-                  <a:pt x="251689" y="2541135"/>
-                  <a:pt x="243840" y="2521513"/>
-                </a:cubicBezTo>
-                <a:cubicBezTo>
-                  <a:pt x="239953" y="2511795"/>
-                  <a:pt x="232229" y="2504096"/>
-                  <a:pt x="226423" y="2495387"/>
-                </a:cubicBezTo>
-                <a:cubicBezTo>
-                  <a:pt x="216728" y="2466300"/>
-                  <a:pt x="216294" y="2467223"/>
-                  <a:pt x="209006" y="2434427"/>
-                </a:cubicBezTo>
-                <a:cubicBezTo>
-                  <a:pt x="205795" y="2419978"/>
-                  <a:pt x="205495" y="2404743"/>
-                  <a:pt x="200298" y="2390884"/>
-                </a:cubicBezTo>
-                <a:cubicBezTo>
-                  <a:pt x="196623" y="2381084"/>
-                  <a:pt x="187561" y="2374120"/>
-                  <a:pt x="182880" y="2364758"/>
-                </a:cubicBezTo>
-                <a:cubicBezTo>
-                  <a:pt x="175889" y="2350776"/>
-                  <a:pt x="170952" y="2335853"/>
-                  <a:pt x="165463" y="2321216"/>
-                </a:cubicBezTo>
-                <a:cubicBezTo>
-                  <a:pt x="162240" y="2312621"/>
-                  <a:pt x="160860" y="2303301"/>
-                  <a:pt x="156755" y="2295090"/>
-                </a:cubicBezTo>
-                <a:cubicBezTo>
-                  <a:pt x="152074" y="2285728"/>
-                  <a:pt x="144019" y="2278325"/>
-                  <a:pt x="139338" y="2268964"/>
-                </a:cubicBezTo>
-                <a:cubicBezTo>
-                  <a:pt x="124249" y="2238785"/>
-                  <a:pt x="135170" y="2235733"/>
-                  <a:pt x="121920" y="2199296"/>
-                </a:cubicBezTo>
-                <a:cubicBezTo>
-                  <a:pt x="115265" y="2180995"/>
-                  <a:pt x="103284" y="2165019"/>
-                  <a:pt x="95795" y="2147044"/>
-                </a:cubicBezTo>
-                <a:cubicBezTo>
-                  <a:pt x="88734" y="2130097"/>
-                  <a:pt x="83653" y="2112378"/>
-                  <a:pt x="78378" y="2094793"/>
-                </a:cubicBezTo>
-                <a:cubicBezTo>
-                  <a:pt x="74939" y="2083329"/>
-                  <a:pt x="73872" y="2071165"/>
-                  <a:pt x="69669" y="2059958"/>
-                </a:cubicBezTo>
-                <a:cubicBezTo>
-                  <a:pt x="65111" y="2047803"/>
-                  <a:pt x="57366" y="2037056"/>
-                  <a:pt x="52252" y="2025124"/>
-                </a:cubicBezTo>
-                <a:cubicBezTo>
-                  <a:pt x="48636" y="2016686"/>
-                  <a:pt x="46446" y="2007707"/>
-                  <a:pt x="43543" y="1998998"/>
-                </a:cubicBezTo>
-                <a:cubicBezTo>
-                  <a:pt x="40640" y="1981581"/>
-                  <a:pt x="39481" y="1963782"/>
-                  <a:pt x="34835" y="1946747"/>
-                </a:cubicBezTo>
-                <a:cubicBezTo>
-                  <a:pt x="30722" y="1931665"/>
-                  <a:pt x="17697" y="1918834"/>
-                  <a:pt x="17418" y="1903204"/>
-                </a:cubicBezTo>
-                <a:cubicBezTo>
-                  <a:pt x="14774" y="1755153"/>
-                  <a:pt x="21274" y="1607062"/>
-                  <a:pt x="26126" y="1459067"/>
-                </a:cubicBezTo>
-                <a:cubicBezTo>
-                  <a:pt x="27082" y="1429909"/>
-                  <a:pt x="29765" y="1400711"/>
-                  <a:pt x="34835" y="1371981"/>
-                </a:cubicBezTo>
-                <a:cubicBezTo>
-                  <a:pt x="38508" y="1351169"/>
-                  <a:pt x="46692" y="1331409"/>
-                  <a:pt x="52252" y="1311021"/>
-                </a:cubicBezTo>
-                <a:cubicBezTo>
-                  <a:pt x="55602" y="1298739"/>
-                  <a:pt x="62992" y="1263414"/>
-                  <a:pt x="69669" y="1250061"/>
-                </a:cubicBezTo>
-                <a:cubicBezTo>
-                  <a:pt x="103433" y="1182534"/>
-                  <a:pt x="73904" y="1263479"/>
-                  <a:pt x="95795" y="1197810"/>
-                </a:cubicBezTo>
-                <a:cubicBezTo>
-                  <a:pt x="92892" y="1165879"/>
-                  <a:pt x="91324" y="1133798"/>
-                  <a:pt x="87086" y="1102016"/>
-                </a:cubicBezTo>
-                <a:cubicBezTo>
-                  <a:pt x="85660" y="1091317"/>
-                  <a:pt x="74871" y="1053195"/>
-                  <a:pt x="69669" y="1041056"/>
-                </a:cubicBezTo>
-                <a:cubicBezTo>
-                  <a:pt x="64555" y="1029124"/>
-                  <a:pt x="57366" y="1018153"/>
-                  <a:pt x="52252" y="1006221"/>
-                </a:cubicBezTo>
-                <a:cubicBezTo>
-                  <a:pt x="48636" y="997784"/>
-                  <a:pt x="46446" y="988804"/>
-                  <a:pt x="43543" y="980096"/>
-                </a:cubicBezTo>
-                <a:cubicBezTo>
-                  <a:pt x="40640" y="956873"/>
-                  <a:pt x="39022" y="933453"/>
-                  <a:pt x="34835" y="910427"/>
-                </a:cubicBezTo>
-                <a:cubicBezTo>
-                  <a:pt x="33193" y="901395"/>
-                  <a:pt x="28648" y="893128"/>
-                  <a:pt x="26126" y="884301"/>
-                </a:cubicBezTo>
-                <a:cubicBezTo>
-                  <a:pt x="22838" y="872793"/>
-                  <a:pt x="19559" y="861243"/>
-                  <a:pt x="17418" y="849467"/>
-                </a:cubicBezTo>
-                <a:cubicBezTo>
-                  <a:pt x="13746" y="829272"/>
-                  <a:pt x="12084" y="808754"/>
-                  <a:pt x="8709" y="788507"/>
-                </a:cubicBezTo>
-                <a:cubicBezTo>
-                  <a:pt x="6275" y="773907"/>
-                  <a:pt x="2903" y="759478"/>
-                  <a:pt x="0" y="744964"/>
-                </a:cubicBezTo>
-                <a:cubicBezTo>
-                  <a:pt x="2903" y="623044"/>
-                  <a:pt x="1102" y="500921"/>
-                  <a:pt x="8709" y="379204"/>
-                </a:cubicBezTo>
-                <a:cubicBezTo>
-                  <a:pt x="9854" y="360881"/>
-                  <a:pt x="20320" y="344370"/>
-                  <a:pt x="26126" y="326953"/>
-                </a:cubicBezTo>
-                <a:cubicBezTo>
-                  <a:pt x="29029" y="318244"/>
-                  <a:pt x="27197" y="305919"/>
-                  <a:pt x="34835" y="300827"/>
-                </a:cubicBezTo>
-                <a:cubicBezTo>
-                  <a:pt x="63375" y="281800"/>
-                  <a:pt x="31932" y="276152"/>
-                  <a:pt x="43543" y="257284"/>
-                </a:cubicBezTo>
-                <a:close/>
-              </a:path>
-            </a:pathLst>
-          </a:custGeom>
-          <a:noFill/>
-          <a:ln w="28575">
-            <a:solidFill>
-              <a:srgbClr val="FF0000"/>
-            </a:solidFill>
-            <a:prstDash val="sysDot"/>
-          </a:ln>
-        </p:spPr>
-        <p:style>
-          <a:lnRef idx="2">
-            <a:schemeClr val="accent1">
-              <a:shade val="50000"/>
-            </a:schemeClr>
-          </a:lnRef>
-          <a:fillRef idx="1">
-            <a:schemeClr val="accent1"/>
-          </a:fillRef>
-          <a:effectRef idx="0">
-            <a:schemeClr val="accent1"/>
-          </a:effectRef>
-          <a:fontRef idx="minor">
-            <a:schemeClr val="lt1"/>
-          </a:fontRef>
-        </p:style>
-        <p:txBody>
-          <a:bodyPr rtlCol="0" anchor="ctr"/>
-          <a:lstStyle/>
-          <a:p>
-            <a:pPr algn="ctr"/>
-            <a:endParaRPr lang="en-US"/>
-          </a:p>
-        </p:txBody>
-      </p:sp>
-      <p:sp>
-        <p:nvSpPr>
           <p:cNvPr id="118" name="Freeform: Shape 117">
             <a:extLst>
               <a:ext uri="{FF2B5EF4-FFF2-40B4-BE49-F238E27FC236}">
@@ -9038,6 +7768,1461 @@
           </a:fontRef>
         </p:style>
       </p:cxnSp>
+      <p:sp>
+        <p:nvSpPr>
+          <p:cNvPr id="2" name="Freeform: Shape 1">
+            <a:extLst>
+              <a:ext uri="{FF2B5EF4-FFF2-40B4-BE49-F238E27FC236}">
+                <a16:creationId xmlns:a16="http://schemas.microsoft.com/office/drawing/2014/main" id="{2B58C644-2E0A-41C9-982D-5D99A7D9FD28}"/>
+              </a:ext>
+            </a:extLst>
+          </p:cNvPr>
+          <p:cNvSpPr/>
+          <p:nvPr/>
+        </p:nvSpPr>
+        <p:spPr>
+          <a:xfrm>
+            <a:off x="868483" y="2239861"/>
+            <a:ext cx="3552515" cy="3179427"/>
+          </a:xfrm>
+          <a:custGeom>
+            <a:avLst/>
+            <a:gdLst>
+              <a:gd name="connsiteX0" fmla="*/ 247253 w 3552515"/>
+              <a:gd name="connsiteY0" fmla="*/ 92278 h 3179427"/>
+              <a:gd name="connsiteX1" fmla="*/ 205308 w 3552515"/>
+              <a:gd name="connsiteY1" fmla="*/ 109056 h 3179427"/>
+              <a:gd name="connsiteX2" fmla="*/ 154974 w 3552515"/>
+              <a:gd name="connsiteY2" fmla="*/ 142612 h 3179427"/>
+              <a:gd name="connsiteX3" fmla="*/ 87862 w 3552515"/>
+              <a:gd name="connsiteY3" fmla="*/ 243280 h 3179427"/>
+              <a:gd name="connsiteX4" fmla="*/ 71084 w 3552515"/>
+              <a:gd name="connsiteY4" fmla="*/ 268447 h 3179427"/>
+              <a:gd name="connsiteX5" fmla="*/ 45917 w 3552515"/>
+              <a:gd name="connsiteY5" fmla="*/ 285225 h 3179427"/>
+              <a:gd name="connsiteX6" fmla="*/ 37528 w 3552515"/>
+              <a:gd name="connsiteY6" fmla="*/ 327170 h 3179427"/>
+              <a:gd name="connsiteX7" fmla="*/ 20750 w 3552515"/>
+              <a:gd name="connsiteY7" fmla="*/ 360726 h 3179427"/>
+              <a:gd name="connsiteX8" fmla="*/ 12361 w 3552515"/>
+              <a:gd name="connsiteY8" fmla="*/ 394282 h 3179427"/>
+              <a:gd name="connsiteX9" fmla="*/ 12361 w 3552515"/>
+              <a:gd name="connsiteY9" fmla="*/ 931178 h 3179427"/>
+              <a:gd name="connsiteX10" fmla="*/ 20750 w 3552515"/>
+              <a:gd name="connsiteY10" fmla="*/ 1208014 h 3179427"/>
+              <a:gd name="connsiteX11" fmla="*/ 45917 w 3552515"/>
+              <a:gd name="connsiteY11" fmla="*/ 1568741 h 3179427"/>
+              <a:gd name="connsiteX12" fmla="*/ 54306 w 3552515"/>
+              <a:gd name="connsiteY12" fmla="*/ 1593908 h 3179427"/>
+              <a:gd name="connsiteX13" fmla="*/ 62695 w 3552515"/>
+              <a:gd name="connsiteY13" fmla="*/ 1661020 h 3179427"/>
+              <a:gd name="connsiteX14" fmla="*/ 79473 w 3552515"/>
+              <a:gd name="connsiteY14" fmla="*/ 1820411 h 3179427"/>
+              <a:gd name="connsiteX15" fmla="*/ 96251 w 3552515"/>
+              <a:gd name="connsiteY15" fmla="*/ 1879133 h 3179427"/>
+              <a:gd name="connsiteX16" fmla="*/ 138196 w 3552515"/>
+              <a:gd name="connsiteY16" fmla="*/ 1946245 h 3179427"/>
+              <a:gd name="connsiteX17" fmla="*/ 171752 w 3552515"/>
+              <a:gd name="connsiteY17" fmla="*/ 2013357 h 3179427"/>
+              <a:gd name="connsiteX18" fmla="*/ 205308 w 3552515"/>
+              <a:gd name="connsiteY18" fmla="*/ 2072080 h 3179427"/>
+              <a:gd name="connsiteX19" fmla="*/ 230475 w 3552515"/>
+              <a:gd name="connsiteY19" fmla="*/ 2097247 h 3179427"/>
+              <a:gd name="connsiteX20" fmla="*/ 238864 w 3552515"/>
+              <a:gd name="connsiteY20" fmla="*/ 2122414 h 3179427"/>
+              <a:gd name="connsiteX21" fmla="*/ 247253 w 3552515"/>
+              <a:gd name="connsiteY21" fmla="*/ 2197915 h 3179427"/>
+              <a:gd name="connsiteX22" fmla="*/ 264031 w 3552515"/>
+              <a:gd name="connsiteY22" fmla="*/ 2231471 h 3179427"/>
+              <a:gd name="connsiteX23" fmla="*/ 272420 w 3552515"/>
+              <a:gd name="connsiteY23" fmla="*/ 2256638 h 3179427"/>
+              <a:gd name="connsiteX24" fmla="*/ 280809 w 3552515"/>
+              <a:gd name="connsiteY24" fmla="*/ 2306972 h 3179427"/>
+              <a:gd name="connsiteX25" fmla="*/ 297587 w 3552515"/>
+              <a:gd name="connsiteY25" fmla="*/ 2382473 h 3179427"/>
+              <a:gd name="connsiteX26" fmla="*/ 305976 w 3552515"/>
+              <a:gd name="connsiteY26" fmla="*/ 2407640 h 3179427"/>
+              <a:gd name="connsiteX27" fmla="*/ 314365 w 3552515"/>
+              <a:gd name="connsiteY27" fmla="*/ 2474752 h 3179427"/>
+              <a:gd name="connsiteX28" fmla="*/ 322754 w 3552515"/>
+              <a:gd name="connsiteY28" fmla="*/ 2499919 h 3179427"/>
+              <a:gd name="connsiteX29" fmla="*/ 331143 w 3552515"/>
+              <a:gd name="connsiteY29" fmla="*/ 2533475 h 3179427"/>
+              <a:gd name="connsiteX30" fmla="*/ 339532 w 3552515"/>
+              <a:gd name="connsiteY30" fmla="*/ 2558642 h 3179427"/>
+              <a:gd name="connsiteX31" fmla="*/ 356310 w 3552515"/>
+              <a:gd name="connsiteY31" fmla="*/ 2634143 h 3179427"/>
+              <a:gd name="connsiteX32" fmla="*/ 373088 w 3552515"/>
+              <a:gd name="connsiteY32" fmla="*/ 2659310 h 3179427"/>
+              <a:gd name="connsiteX33" fmla="*/ 381477 w 3552515"/>
+              <a:gd name="connsiteY33" fmla="*/ 2684477 h 3179427"/>
+              <a:gd name="connsiteX34" fmla="*/ 398255 w 3552515"/>
+              <a:gd name="connsiteY34" fmla="*/ 2726422 h 3179427"/>
+              <a:gd name="connsiteX35" fmla="*/ 415033 w 3552515"/>
+              <a:gd name="connsiteY35" fmla="*/ 2751589 h 3179427"/>
+              <a:gd name="connsiteX36" fmla="*/ 431811 w 3552515"/>
+              <a:gd name="connsiteY36" fmla="*/ 2818700 h 3179427"/>
+              <a:gd name="connsiteX37" fmla="*/ 465367 w 3552515"/>
+              <a:gd name="connsiteY37" fmla="*/ 2877423 h 3179427"/>
+              <a:gd name="connsiteX38" fmla="*/ 490534 w 3552515"/>
+              <a:gd name="connsiteY38" fmla="*/ 2936146 h 3179427"/>
+              <a:gd name="connsiteX39" fmla="*/ 515700 w 3552515"/>
+              <a:gd name="connsiteY39" fmla="*/ 2961313 h 3179427"/>
+              <a:gd name="connsiteX40" fmla="*/ 557645 w 3552515"/>
+              <a:gd name="connsiteY40" fmla="*/ 3003258 h 3179427"/>
+              <a:gd name="connsiteX41" fmla="*/ 591201 w 3552515"/>
+              <a:gd name="connsiteY41" fmla="*/ 3036814 h 3179427"/>
+              <a:gd name="connsiteX42" fmla="*/ 624757 w 3552515"/>
+              <a:gd name="connsiteY42" fmla="*/ 3070370 h 3179427"/>
+              <a:gd name="connsiteX43" fmla="*/ 683480 w 3552515"/>
+              <a:gd name="connsiteY43" fmla="*/ 3112315 h 3179427"/>
+              <a:gd name="connsiteX44" fmla="*/ 717036 w 3552515"/>
+              <a:gd name="connsiteY44" fmla="*/ 3129093 h 3179427"/>
+              <a:gd name="connsiteX45" fmla="*/ 742203 w 3552515"/>
+              <a:gd name="connsiteY45" fmla="*/ 3154260 h 3179427"/>
+              <a:gd name="connsiteX46" fmla="*/ 834482 w 3552515"/>
+              <a:gd name="connsiteY46" fmla="*/ 3179427 h 3179427"/>
+              <a:gd name="connsiteX47" fmla="*/ 1010651 w 3552515"/>
+              <a:gd name="connsiteY47" fmla="*/ 3171038 h 3179427"/>
+              <a:gd name="connsiteX48" fmla="*/ 1077763 w 3552515"/>
+              <a:gd name="connsiteY48" fmla="*/ 3154260 h 3179427"/>
+              <a:gd name="connsiteX49" fmla="*/ 1153264 w 3552515"/>
+              <a:gd name="connsiteY49" fmla="*/ 3120704 h 3179427"/>
+              <a:gd name="connsiteX50" fmla="*/ 1178431 w 3552515"/>
+              <a:gd name="connsiteY50" fmla="*/ 3112315 h 3179427"/>
+              <a:gd name="connsiteX51" fmla="*/ 1497212 w 3552515"/>
+              <a:gd name="connsiteY51" fmla="*/ 3120704 h 3179427"/>
+              <a:gd name="connsiteX52" fmla="*/ 1539157 w 3552515"/>
+              <a:gd name="connsiteY52" fmla="*/ 3129093 h 3179427"/>
+              <a:gd name="connsiteX53" fmla="*/ 1648214 w 3552515"/>
+              <a:gd name="connsiteY53" fmla="*/ 3137482 h 3179427"/>
+              <a:gd name="connsiteX54" fmla="*/ 1933440 w 3552515"/>
+              <a:gd name="connsiteY54" fmla="*/ 3129093 h 3179427"/>
+              <a:gd name="connsiteX55" fmla="*/ 2982064 w 3552515"/>
+              <a:gd name="connsiteY55" fmla="*/ 3145871 h 3179427"/>
+              <a:gd name="connsiteX56" fmla="*/ 3065954 w 3552515"/>
+              <a:gd name="connsiteY56" fmla="*/ 3154260 h 3179427"/>
+              <a:gd name="connsiteX57" fmla="*/ 3133066 w 3552515"/>
+              <a:gd name="connsiteY57" fmla="*/ 3129093 h 3179427"/>
+              <a:gd name="connsiteX58" fmla="*/ 3166622 w 3552515"/>
+              <a:gd name="connsiteY58" fmla="*/ 3112315 h 3179427"/>
+              <a:gd name="connsiteX59" fmla="*/ 3267289 w 3552515"/>
+              <a:gd name="connsiteY59" fmla="*/ 3070370 h 3179427"/>
+              <a:gd name="connsiteX60" fmla="*/ 3317623 w 3552515"/>
+              <a:gd name="connsiteY60" fmla="*/ 3045203 h 3179427"/>
+              <a:gd name="connsiteX61" fmla="*/ 3451847 w 3552515"/>
+              <a:gd name="connsiteY61" fmla="*/ 2969702 h 3179427"/>
+              <a:gd name="connsiteX62" fmla="*/ 3510570 w 3552515"/>
+              <a:gd name="connsiteY62" fmla="*/ 2894201 h 3179427"/>
+              <a:gd name="connsiteX63" fmla="*/ 3552515 w 3552515"/>
+              <a:gd name="connsiteY63" fmla="*/ 2801922 h 3179427"/>
+              <a:gd name="connsiteX64" fmla="*/ 3535737 w 3552515"/>
+              <a:gd name="connsiteY64" fmla="*/ 2583809 h 3179427"/>
+              <a:gd name="connsiteX65" fmla="*/ 3527348 w 3552515"/>
+              <a:gd name="connsiteY65" fmla="*/ 2550253 h 3179427"/>
+              <a:gd name="connsiteX66" fmla="*/ 3518959 w 3552515"/>
+              <a:gd name="connsiteY66" fmla="*/ 2508308 h 3179427"/>
+              <a:gd name="connsiteX67" fmla="*/ 3468625 w 3552515"/>
+              <a:gd name="connsiteY67" fmla="*/ 2441196 h 3179427"/>
+              <a:gd name="connsiteX68" fmla="*/ 3426680 w 3552515"/>
+              <a:gd name="connsiteY68" fmla="*/ 2374084 h 3179427"/>
+              <a:gd name="connsiteX69" fmla="*/ 3418291 w 3552515"/>
+              <a:gd name="connsiteY69" fmla="*/ 2348917 h 3179427"/>
+              <a:gd name="connsiteX70" fmla="*/ 3401513 w 3552515"/>
+              <a:gd name="connsiteY70" fmla="*/ 2323750 h 3179427"/>
+              <a:gd name="connsiteX71" fmla="*/ 3393124 w 3552515"/>
+              <a:gd name="connsiteY71" fmla="*/ 2298583 h 3179427"/>
+              <a:gd name="connsiteX72" fmla="*/ 3326012 w 3552515"/>
+              <a:gd name="connsiteY72" fmla="*/ 2248249 h 3179427"/>
+              <a:gd name="connsiteX73" fmla="*/ 3275678 w 3552515"/>
+              <a:gd name="connsiteY73" fmla="*/ 2189526 h 3179427"/>
+              <a:gd name="connsiteX74" fmla="*/ 3233734 w 3552515"/>
+              <a:gd name="connsiteY74" fmla="*/ 2155970 h 3179427"/>
+              <a:gd name="connsiteX75" fmla="*/ 3200178 w 3552515"/>
+              <a:gd name="connsiteY75" fmla="*/ 2114025 h 3179427"/>
+              <a:gd name="connsiteX76" fmla="*/ 3175011 w 3552515"/>
+              <a:gd name="connsiteY76" fmla="*/ 2088858 h 3179427"/>
+              <a:gd name="connsiteX77" fmla="*/ 3158233 w 3552515"/>
+              <a:gd name="connsiteY77" fmla="*/ 2063691 h 3179427"/>
+              <a:gd name="connsiteX78" fmla="*/ 3107899 w 3552515"/>
+              <a:gd name="connsiteY78" fmla="*/ 2030135 h 3179427"/>
+              <a:gd name="connsiteX79" fmla="*/ 3082732 w 3552515"/>
+              <a:gd name="connsiteY79" fmla="*/ 2013357 h 3179427"/>
+              <a:gd name="connsiteX80" fmla="*/ 3032398 w 3552515"/>
+              <a:gd name="connsiteY80" fmla="*/ 1996579 h 3179427"/>
+              <a:gd name="connsiteX81" fmla="*/ 2814284 w 3552515"/>
+              <a:gd name="connsiteY81" fmla="*/ 2013357 h 3179427"/>
+              <a:gd name="connsiteX82" fmla="*/ 2722005 w 3552515"/>
+              <a:gd name="connsiteY82" fmla="*/ 2038524 h 3179427"/>
+              <a:gd name="connsiteX83" fmla="*/ 2562614 w 3552515"/>
+              <a:gd name="connsiteY83" fmla="*/ 2055302 h 3179427"/>
+              <a:gd name="connsiteX84" fmla="*/ 2537447 w 3552515"/>
+              <a:gd name="connsiteY84" fmla="*/ 2063691 h 3179427"/>
+              <a:gd name="connsiteX85" fmla="*/ 2344500 w 3552515"/>
+              <a:gd name="connsiteY85" fmla="*/ 2080469 h 3179427"/>
+              <a:gd name="connsiteX86" fmla="*/ 2117998 w 3552515"/>
+              <a:gd name="connsiteY86" fmla="*/ 2097247 h 3179427"/>
+              <a:gd name="connsiteX87" fmla="*/ 1883106 w 3552515"/>
+              <a:gd name="connsiteY87" fmla="*/ 2139192 h 3179427"/>
+              <a:gd name="connsiteX88" fmla="*/ 1723715 w 3552515"/>
+              <a:gd name="connsiteY88" fmla="*/ 2181137 h 3179427"/>
+              <a:gd name="connsiteX89" fmla="*/ 1564324 w 3552515"/>
+              <a:gd name="connsiteY89" fmla="*/ 2239860 h 3179427"/>
+              <a:gd name="connsiteX90" fmla="*/ 1488823 w 3552515"/>
+              <a:gd name="connsiteY90" fmla="*/ 2223082 h 3179427"/>
+              <a:gd name="connsiteX91" fmla="*/ 1413323 w 3552515"/>
+              <a:gd name="connsiteY91" fmla="*/ 2164359 h 3179427"/>
+              <a:gd name="connsiteX92" fmla="*/ 1379767 w 3552515"/>
+              <a:gd name="connsiteY92" fmla="*/ 2155970 h 3179427"/>
+              <a:gd name="connsiteX93" fmla="*/ 1312655 w 3552515"/>
+              <a:gd name="connsiteY93" fmla="*/ 2130803 h 3179427"/>
+              <a:gd name="connsiteX94" fmla="*/ 1228765 w 3552515"/>
+              <a:gd name="connsiteY94" fmla="*/ 2114025 h 3179427"/>
+              <a:gd name="connsiteX95" fmla="*/ 1178431 w 3552515"/>
+              <a:gd name="connsiteY95" fmla="*/ 2105636 h 3179427"/>
+              <a:gd name="connsiteX96" fmla="*/ 1128097 w 3552515"/>
+              <a:gd name="connsiteY96" fmla="*/ 2088858 h 3179427"/>
+              <a:gd name="connsiteX97" fmla="*/ 1102930 w 3552515"/>
+              <a:gd name="connsiteY97" fmla="*/ 2080469 h 3179427"/>
+              <a:gd name="connsiteX98" fmla="*/ 1077763 w 3552515"/>
+              <a:gd name="connsiteY98" fmla="*/ 2072080 h 3179427"/>
+              <a:gd name="connsiteX99" fmla="*/ 1019040 w 3552515"/>
+              <a:gd name="connsiteY99" fmla="*/ 2063691 h 3179427"/>
+              <a:gd name="connsiteX100" fmla="*/ 993873 w 3552515"/>
+              <a:gd name="connsiteY100" fmla="*/ 2046913 h 3179427"/>
+              <a:gd name="connsiteX101" fmla="*/ 968706 w 3552515"/>
+              <a:gd name="connsiteY101" fmla="*/ 2038524 h 3179427"/>
+              <a:gd name="connsiteX102" fmla="*/ 943539 w 3552515"/>
+              <a:gd name="connsiteY102" fmla="*/ 2013357 h 3179427"/>
+              <a:gd name="connsiteX103" fmla="*/ 918372 w 3552515"/>
+              <a:gd name="connsiteY103" fmla="*/ 1996579 h 3179427"/>
+              <a:gd name="connsiteX104" fmla="*/ 884816 w 3552515"/>
+              <a:gd name="connsiteY104" fmla="*/ 1946245 h 3179427"/>
+              <a:gd name="connsiteX105" fmla="*/ 868038 w 3552515"/>
+              <a:gd name="connsiteY105" fmla="*/ 1921078 h 3179427"/>
+              <a:gd name="connsiteX106" fmla="*/ 842871 w 3552515"/>
+              <a:gd name="connsiteY106" fmla="*/ 1862356 h 3179427"/>
+              <a:gd name="connsiteX107" fmla="*/ 826093 w 3552515"/>
+              <a:gd name="connsiteY107" fmla="*/ 1812022 h 3179427"/>
+              <a:gd name="connsiteX108" fmla="*/ 817704 w 3552515"/>
+              <a:gd name="connsiteY108" fmla="*/ 1786855 h 3179427"/>
+              <a:gd name="connsiteX109" fmla="*/ 809315 w 3552515"/>
+              <a:gd name="connsiteY109" fmla="*/ 1761688 h 3179427"/>
+              <a:gd name="connsiteX110" fmla="*/ 800926 w 3552515"/>
+              <a:gd name="connsiteY110" fmla="*/ 1719743 h 3179427"/>
+              <a:gd name="connsiteX111" fmla="*/ 792537 w 3552515"/>
+              <a:gd name="connsiteY111" fmla="*/ 1417739 h 3179427"/>
+              <a:gd name="connsiteX112" fmla="*/ 784148 w 3552515"/>
+              <a:gd name="connsiteY112" fmla="*/ 1392572 h 3179427"/>
+              <a:gd name="connsiteX113" fmla="*/ 767370 w 3552515"/>
+              <a:gd name="connsiteY113" fmla="*/ 1367405 h 3179427"/>
+              <a:gd name="connsiteX114" fmla="*/ 758981 w 3552515"/>
+              <a:gd name="connsiteY114" fmla="*/ 1317071 h 3179427"/>
+              <a:gd name="connsiteX115" fmla="*/ 717036 w 3552515"/>
+              <a:gd name="connsiteY115" fmla="*/ 1224792 h 3179427"/>
+              <a:gd name="connsiteX116" fmla="*/ 717036 w 3552515"/>
+              <a:gd name="connsiteY116" fmla="*/ 847288 h 3179427"/>
+              <a:gd name="connsiteX117" fmla="*/ 733814 w 3552515"/>
+              <a:gd name="connsiteY117" fmla="*/ 553673 h 3179427"/>
+              <a:gd name="connsiteX118" fmla="*/ 750592 w 3552515"/>
+              <a:gd name="connsiteY118" fmla="*/ 503339 h 3179427"/>
+              <a:gd name="connsiteX119" fmla="*/ 767370 w 3552515"/>
+              <a:gd name="connsiteY119" fmla="*/ 444616 h 3179427"/>
+              <a:gd name="connsiteX120" fmla="*/ 784148 w 3552515"/>
+              <a:gd name="connsiteY120" fmla="*/ 385893 h 3179427"/>
+              <a:gd name="connsiteX121" fmla="*/ 817704 w 3552515"/>
+              <a:gd name="connsiteY121" fmla="*/ 369115 h 3179427"/>
+              <a:gd name="connsiteX122" fmla="*/ 826093 w 3552515"/>
+              <a:gd name="connsiteY122" fmla="*/ 343948 h 3179427"/>
+              <a:gd name="connsiteX123" fmla="*/ 926761 w 3552515"/>
+              <a:gd name="connsiteY123" fmla="*/ 293614 h 3179427"/>
+              <a:gd name="connsiteX124" fmla="*/ 951928 w 3552515"/>
+              <a:gd name="connsiteY124" fmla="*/ 276836 h 3179427"/>
+              <a:gd name="connsiteX125" fmla="*/ 968706 w 3552515"/>
+              <a:gd name="connsiteY125" fmla="*/ 243280 h 3179427"/>
+              <a:gd name="connsiteX126" fmla="*/ 951928 w 3552515"/>
+              <a:gd name="connsiteY126" fmla="*/ 83889 h 3179427"/>
+              <a:gd name="connsiteX127" fmla="*/ 893205 w 3552515"/>
+              <a:gd name="connsiteY127" fmla="*/ 16778 h 3179427"/>
+              <a:gd name="connsiteX128" fmla="*/ 868038 w 3552515"/>
+              <a:gd name="connsiteY128" fmla="*/ 8389 h 3179427"/>
+              <a:gd name="connsiteX129" fmla="*/ 817704 w 3552515"/>
+              <a:gd name="connsiteY129" fmla="*/ 0 h 3179427"/>
+              <a:gd name="connsiteX130" fmla="*/ 675091 w 3552515"/>
+              <a:gd name="connsiteY130" fmla="*/ 8389 h 3179427"/>
+              <a:gd name="connsiteX131" fmla="*/ 649924 w 3552515"/>
+              <a:gd name="connsiteY131" fmla="*/ 16778 h 3179427"/>
+              <a:gd name="connsiteX132" fmla="*/ 599590 w 3552515"/>
+              <a:gd name="connsiteY132" fmla="*/ 25167 h 3179427"/>
+              <a:gd name="connsiteX133" fmla="*/ 574423 w 3552515"/>
+              <a:gd name="connsiteY133" fmla="*/ 33556 h 3179427"/>
+              <a:gd name="connsiteX134" fmla="*/ 540867 w 3552515"/>
+              <a:gd name="connsiteY134" fmla="*/ 41945 h 3179427"/>
+              <a:gd name="connsiteX135" fmla="*/ 498923 w 3552515"/>
+              <a:gd name="connsiteY135" fmla="*/ 50333 h 3179427"/>
+              <a:gd name="connsiteX136" fmla="*/ 448589 w 3552515"/>
+              <a:gd name="connsiteY136" fmla="*/ 67111 h 3179427"/>
+              <a:gd name="connsiteX137" fmla="*/ 423422 w 3552515"/>
+              <a:gd name="connsiteY137" fmla="*/ 75500 h 3179427"/>
+              <a:gd name="connsiteX138" fmla="*/ 373088 w 3552515"/>
+              <a:gd name="connsiteY138" fmla="*/ 83889 h 3179427"/>
+              <a:gd name="connsiteX139" fmla="*/ 347921 w 3552515"/>
+              <a:gd name="connsiteY139" fmla="*/ 92278 h 3179427"/>
+              <a:gd name="connsiteX140" fmla="*/ 247253 w 3552515"/>
+              <a:gd name="connsiteY140" fmla="*/ 92278 h 3179427"/>
+            </a:gdLst>
+            <a:ahLst/>
+            <a:cxnLst>
+              <a:cxn ang="0">
+                <a:pos x="connsiteX0" y="connsiteY0"/>
+              </a:cxn>
+              <a:cxn ang="0">
+                <a:pos x="connsiteX1" y="connsiteY1"/>
+              </a:cxn>
+              <a:cxn ang="0">
+                <a:pos x="connsiteX2" y="connsiteY2"/>
+              </a:cxn>
+              <a:cxn ang="0">
+                <a:pos x="connsiteX3" y="connsiteY3"/>
+              </a:cxn>
+              <a:cxn ang="0">
+                <a:pos x="connsiteX4" y="connsiteY4"/>
+              </a:cxn>
+              <a:cxn ang="0">
+                <a:pos x="connsiteX5" y="connsiteY5"/>
+              </a:cxn>
+              <a:cxn ang="0">
+                <a:pos x="connsiteX6" y="connsiteY6"/>
+              </a:cxn>
+              <a:cxn ang="0">
+                <a:pos x="connsiteX7" y="connsiteY7"/>
+              </a:cxn>
+              <a:cxn ang="0">
+                <a:pos x="connsiteX8" y="connsiteY8"/>
+              </a:cxn>
+              <a:cxn ang="0">
+                <a:pos x="connsiteX9" y="connsiteY9"/>
+              </a:cxn>
+              <a:cxn ang="0">
+                <a:pos x="connsiteX10" y="connsiteY10"/>
+              </a:cxn>
+              <a:cxn ang="0">
+                <a:pos x="connsiteX11" y="connsiteY11"/>
+              </a:cxn>
+              <a:cxn ang="0">
+                <a:pos x="connsiteX12" y="connsiteY12"/>
+              </a:cxn>
+              <a:cxn ang="0">
+                <a:pos x="connsiteX13" y="connsiteY13"/>
+              </a:cxn>
+              <a:cxn ang="0">
+                <a:pos x="connsiteX14" y="connsiteY14"/>
+              </a:cxn>
+              <a:cxn ang="0">
+                <a:pos x="connsiteX15" y="connsiteY15"/>
+              </a:cxn>
+              <a:cxn ang="0">
+                <a:pos x="connsiteX16" y="connsiteY16"/>
+              </a:cxn>
+              <a:cxn ang="0">
+                <a:pos x="connsiteX17" y="connsiteY17"/>
+              </a:cxn>
+              <a:cxn ang="0">
+                <a:pos x="connsiteX18" y="connsiteY18"/>
+              </a:cxn>
+              <a:cxn ang="0">
+                <a:pos x="connsiteX19" y="connsiteY19"/>
+              </a:cxn>
+              <a:cxn ang="0">
+                <a:pos x="connsiteX20" y="connsiteY20"/>
+              </a:cxn>
+              <a:cxn ang="0">
+                <a:pos x="connsiteX21" y="connsiteY21"/>
+              </a:cxn>
+              <a:cxn ang="0">
+                <a:pos x="connsiteX22" y="connsiteY22"/>
+              </a:cxn>
+              <a:cxn ang="0">
+                <a:pos x="connsiteX23" y="connsiteY23"/>
+              </a:cxn>
+              <a:cxn ang="0">
+                <a:pos x="connsiteX24" y="connsiteY24"/>
+              </a:cxn>
+              <a:cxn ang="0">
+                <a:pos x="connsiteX25" y="connsiteY25"/>
+              </a:cxn>
+              <a:cxn ang="0">
+                <a:pos x="connsiteX26" y="connsiteY26"/>
+              </a:cxn>
+              <a:cxn ang="0">
+                <a:pos x="connsiteX27" y="connsiteY27"/>
+              </a:cxn>
+              <a:cxn ang="0">
+                <a:pos x="connsiteX28" y="connsiteY28"/>
+              </a:cxn>
+              <a:cxn ang="0">
+                <a:pos x="connsiteX29" y="connsiteY29"/>
+              </a:cxn>
+              <a:cxn ang="0">
+                <a:pos x="connsiteX30" y="connsiteY30"/>
+              </a:cxn>
+              <a:cxn ang="0">
+                <a:pos x="connsiteX31" y="connsiteY31"/>
+              </a:cxn>
+              <a:cxn ang="0">
+                <a:pos x="connsiteX32" y="connsiteY32"/>
+              </a:cxn>
+              <a:cxn ang="0">
+                <a:pos x="connsiteX33" y="connsiteY33"/>
+              </a:cxn>
+              <a:cxn ang="0">
+                <a:pos x="connsiteX34" y="connsiteY34"/>
+              </a:cxn>
+              <a:cxn ang="0">
+                <a:pos x="connsiteX35" y="connsiteY35"/>
+              </a:cxn>
+              <a:cxn ang="0">
+                <a:pos x="connsiteX36" y="connsiteY36"/>
+              </a:cxn>
+              <a:cxn ang="0">
+                <a:pos x="connsiteX37" y="connsiteY37"/>
+              </a:cxn>
+              <a:cxn ang="0">
+                <a:pos x="connsiteX38" y="connsiteY38"/>
+              </a:cxn>
+              <a:cxn ang="0">
+                <a:pos x="connsiteX39" y="connsiteY39"/>
+              </a:cxn>
+              <a:cxn ang="0">
+                <a:pos x="connsiteX40" y="connsiteY40"/>
+              </a:cxn>
+              <a:cxn ang="0">
+                <a:pos x="connsiteX41" y="connsiteY41"/>
+              </a:cxn>
+              <a:cxn ang="0">
+                <a:pos x="connsiteX42" y="connsiteY42"/>
+              </a:cxn>
+              <a:cxn ang="0">
+                <a:pos x="connsiteX43" y="connsiteY43"/>
+              </a:cxn>
+              <a:cxn ang="0">
+                <a:pos x="connsiteX44" y="connsiteY44"/>
+              </a:cxn>
+              <a:cxn ang="0">
+                <a:pos x="connsiteX45" y="connsiteY45"/>
+              </a:cxn>
+              <a:cxn ang="0">
+                <a:pos x="connsiteX46" y="connsiteY46"/>
+              </a:cxn>
+              <a:cxn ang="0">
+                <a:pos x="connsiteX47" y="connsiteY47"/>
+              </a:cxn>
+              <a:cxn ang="0">
+                <a:pos x="connsiteX48" y="connsiteY48"/>
+              </a:cxn>
+              <a:cxn ang="0">
+                <a:pos x="connsiteX49" y="connsiteY49"/>
+              </a:cxn>
+              <a:cxn ang="0">
+                <a:pos x="connsiteX50" y="connsiteY50"/>
+              </a:cxn>
+              <a:cxn ang="0">
+                <a:pos x="connsiteX51" y="connsiteY51"/>
+              </a:cxn>
+              <a:cxn ang="0">
+                <a:pos x="connsiteX52" y="connsiteY52"/>
+              </a:cxn>
+              <a:cxn ang="0">
+                <a:pos x="connsiteX53" y="connsiteY53"/>
+              </a:cxn>
+              <a:cxn ang="0">
+                <a:pos x="connsiteX54" y="connsiteY54"/>
+              </a:cxn>
+              <a:cxn ang="0">
+                <a:pos x="connsiteX55" y="connsiteY55"/>
+              </a:cxn>
+              <a:cxn ang="0">
+                <a:pos x="connsiteX56" y="connsiteY56"/>
+              </a:cxn>
+              <a:cxn ang="0">
+                <a:pos x="connsiteX57" y="connsiteY57"/>
+              </a:cxn>
+              <a:cxn ang="0">
+                <a:pos x="connsiteX58" y="connsiteY58"/>
+              </a:cxn>
+              <a:cxn ang="0">
+                <a:pos x="connsiteX59" y="connsiteY59"/>
+              </a:cxn>
+              <a:cxn ang="0">
+                <a:pos x="connsiteX60" y="connsiteY60"/>
+              </a:cxn>
+              <a:cxn ang="0">
+                <a:pos x="connsiteX61" y="connsiteY61"/>
+              </a:cxn>
+              <a:cxn ang="0">
+                <a:pos x="connsiteX62" y="connsiteY62"/>
+              </a:cxn>
+              <a:cxn ang="0">
+                <a:pos x="connsiteX63" y="connsiteY63"/>
+              </a:cxn>
+              <a:cxn ang="0">
+                <a:pos x="connsiteX64" y="connsiteY64"/>
+              </a:cxn>
+              <a:cxn ang="0">
+                <a:pos x="connsiteX65" y="connsiteY65"/>
+              </a:cxn>
+              <a:cxn ang="0">
+                <a:pos x="connsiteX66" y="connsiteY66"/>
+              </a:cxn>
+              <a:cxn ang="0">
+                <a:pos x="connsiteX67" y="connsiteY67"/>
+              </a:cxn>
+              <a:cxn ang="0">
+                <a:pos x="connsiteX68" y="connsiteY68"/>
+              </a:cxn>
+              <a:cxn ang="0">
+                <a:pos x="connsiteX69" y="connsiteY69"/>
+              </a:cxn>
+              <a:cxn ang="0">
+                <a:pos x="connsiteX70" y="connsiteY70"/>
+              </a:cxn>
+              <a:cxn ang="0">
+                <a:pos x="connsiteX71" y="connsiteY71"/>
+              </a:cxn>
+              <a:cxn ang="0">
+                <a:pos x="connsiteX72" y="connsiteY72"/>
+              </a:cxn>
+              <a:cxn ang="0">
+                <a:pos x="connsiteX73" y="connsiteY73"/>
+              </a:cxn>
+              <a:cxn ang="0">
+                <a:pos x="connsiteX74" y="connsiteY74"/>
+              </a:cxn>
+              <a:cxn ang="0">
+                <a:pos x="connsiteX75" y="connsiteY75"/>
+              </a:cxn>
+              <a:cxn ang="0">
+                <a:pos x="connsiteX76" y="connsiteY76"/>
+              </a:cxn>
+              <a:cxn ang="0">
+                <a:pos x="connsiteX77" y="connsiteY77"/>
+              </a:cxn>
+              <a:cxn ang="0">
+                <a:pos x="connsiteX78" y="connsiteY78"/>
+              </a:cxn>
+              <a:cxn ang="0">
+                <a:pos x="connsiteX79" y="connsiteY79"/>
+              </a:cxn>
+              <a:cxn ang="0">
+                <a:pos x="connsiteX80" y="connsiteY80"/>
+              </a:cxn>
+              <a:cxn ang="0">
+                <a:pos x="connsiteX81" y="connsiteY81"/>
+              </a:cxn>
+              <a:cxn ang="0">
+                <a:pos x="connsiteX82" y="connsiteY82"/>
+              </a:cxn>
+              <a:cxn ang="0">
+                <a:pos x="connsiteX83" y="connsiteY83"/>
+              </a:cxn>
+              <a:cxn ang="0">
+                <a:pos x="connsiteX84" y="connsiteY84"/>
+              </a:cxn>
+              <a:cxn ang="0">
+                <a:pos x="connsiteX85" y="connsiteY85"/>
+              </a:cxn>
+              <a:cxn ang="0">
+                <a:pos x="connsiteX86" y="connsiteY86"/>
+              </a:cxn>
+              <a:cxn ang="0">
+                <a:pos x="connsiteX87" y="connsiteY87"/>
+              </a:cxn>
+              <a:cxn ang="0">
+                <a:pos x="connsiteX88" y="connsiteY88"/>
+              </a:cxn>
+              <a:cxn ang="0">
+                <a:pos x="connsiteX89" y="connsiteY89"/>
+              </a:cxn>
+              <a:cxn ang="0">
+                <a:pos x="connsiteX90" y="connsiteY90"/>
+              </a:cxn>
+              <a:cxn ang="0">
+                <a:pos x="connsiteX91" y="connsiteY91"/>
+              </a:cxn>
+              <a:cxn ang="0">
+                <a:pos x="connsiteX92" y="connsiteY92"/>
+              </a:cxn>
+              <a:cxn ang="0">
+                <a:pos x="connsiteX93" y="connsiteY93"/>
+              </a:cxn>
+              <a:cxn ang="0">
+                <a:pos x="connsiteX94" y="connsiteY94"/>
+              </a:cxn>
+              <a:cxn ang="0">
+                <a:pos x="connsiteX95" y="connsiteY95"/>
+              </a:cxn>
+              <a:cxn ang="0">
+                <a:pos x="connsiteX96" y="connsiteY96"/>
+              </a:cxn>
+              <a:cxn ang="0">
+                <a:pos x="connsiteX97" y="connsiteY97"/>
+              </a:cxn>
+              <a:cxn ang="0">
+                <a:pos x="connsiteX98" y="connsiteY98"/>
+              </a:cxn>
+              <a:cxn ang="0">
+                <a:pos x="connsiteX99" y="connsiteY99"/>
+              </a:cxn>
+              <a:cxn ang="0">
+                <a:pos x="connsiteX100" y="connsiteY100"/>
+              </a:cxn>
+              <a:cxn ang="0">
+                <a:pos x="connsiteX101" y="connsiteY101"/>
+              </a:cxn>
+              <a:cxn ang="0">
+                <a:pos x="connsiteX102" y="connsiteY102"/>
+              </a:cxn>
+              <a:cxn ang="0">
+                <a:pos x="connsiteX103" y="connsiteY103"/>
+              </a:cxn>
+              <a:cxn ang="0">
+                <a:pos x="connsiteX104" y="connsiteY104"/>
+              </a:cxn>
+              <a:cxn ang="0">
+                <a:pos x="connsiteX105" y="connsiteY105"/>
+              </a:cxn>
+              <a:cxn ang="0">
+                <a:pos x="connsiteX106" y="connsiteY106"/>
+              </a:cxn>
+              <a:cxn ang="0">
+                <a:pos x="connsiteX107" y="connsiteY107"/>
+              </a:cxn>
+              <a:cxn ang="0">
+                <a:pos x="connsiteX108" y="connsiteY108"/>
+              </a:cxn>
+              <a:cxn ang="0">
+                <a:pos x="connsiteX109" y="connsiteY109"/>
+              </a:cxn>
+              <a:cxn ang="0">
+                <a:pos x="connsiteX110" y="connsiteY110"/>
+              </a:cxn>
+              <a:cxn ang="0">
+                <a:pos x="connsiteX111" y="connsiteY111"/>
+              </a:cxn>
+              <a:cxn ang="0">
+                <a:pos x="connsiteX112" y="connsiteY112"/>
+              </a:cxn>
+              <a:cxn ang="0">
+                <a:pos x="connsiteX113" y="connsiteY113"/>
+              </a:cxn>
+              <a:cxn ang="0">
+                <a:pos x="connsiteX114" y="connsiteY114"/>
+              </a:cxn>
+              <a:cxn ang="0">
+                <a:pos x="connsiteX115" y="connsiteY115"/>
+              </a:cxn>
+              <a:cxn ang="0">
+                <a:pos x="connsiteX116" y="connsiteY116"/>
+              </a:cxn>
+              <a:cxn ang="0">
+                <a:pos x="connsiteX117" y="connsiteY117"/>
+              </a:cxn>
+              <a:cxn ang="0">
+                <a:pos x="connsiteX118" y="connsiteY118"/>
+              </a:cxn>
+              <a:cxn ang="0">
+                <a:pos x="connsiteX119" y="connsiteY119"/>
+              </a:cxn>
+              <a:cxn ang="0">
+                <a:pos x="connsiteX120" y="connsiteY120"/>
+              </a:cxn>
+              <a:cxn ang="0">
+                <a:pos x="connsiteX121" y="connsiteY121"/>
+              </a:cxn>
+              <a:cxn ang="0">
+                <a:pos x="connsiteX122" y="connsiteY122"/>
+              </a:cxn>
+              <a:cxn ang="0">
+                <a:pos x="connsiteX123" y="connsiteY123"/>
+              </a:cxn>
+              <a:cxn ang="0">
+                <a:pos x="connsiteX124" y="connsiteY124"/>
+              </a:cxn>
+              <a:cxn ang="0">
+                <a:pos x="connsiteX125" y="connsiteY125"/>
+              </a:cxn>
+              <a:cxn ang="0">
+                <a:pos x="connsiteX126" y="connsiteY126"/>
+              </a:cxn>
+              <a:cxn ang="0">
+                <a:pos x="connsiteX127" y="connsiteY127"/>
+              </a:cxn>
+              <a:cxn ang="0">
+                <a:pos x="connsiteX128" y="connsiteY128"/>
+              </a:cxn>
+              <a:cxn ang="0">
+                <a:pos x="connsiteX129" y="connsiteY129"/>
+              </a:cxn>
+              <a:cxn ang="0">
+                <a:pos x="connsiteX130" y="connsiteY130"/>
+              </a:cxn>
+              <a:cxn ang="0">
+                <a:pos x="connsiteX131" y="connsiteY131"/>
+              </a:cxn>
+              <a:cxn ang="0">
+                <a:pos x="connsiteX132" y="connsiteY132"/>
+              </a:cxn>
+              <a:cxn ang="0">
+                <a:pos x="connsiteX133" y="connsiteY133"/>
+              </a:cxn>
+              <a:cxn ang="0">
+                <a:pos x="connsiteX134" y="connsiteY134"/>
+              </a:cxn>
+              <a:cxn ang="0">
+                <a:pos x="connsiteX135" y="connsiteY135"/>
+              </a:cxn>
+              <a:cxn ang="0">
+                <a:pos x="connsiteX136" y="connsiteY136"/>
+              </a:cxn>
+              <a:cxn ang="0">
+                <a:pos x="connsiteX137" y="connsiteY137"/>
+              </a:cxn>
+              <a:cxn ang="0">
+                <a:pos x="connsiteX138" y="connsiteY138"/>
+              </a:cxn>
+              <a:cxn ang="0">
+                <a:pos x="connsiteX139" y="connsiteY139"/>
+              </a:cxn>
+              <a:cxn ang="0">
+                <a:pos x="connsiteX140" y="connsiteY140"/>
+              </a:cxn>
+            </a:cxnLst>
+            <a:rect l="l" t="t" r="r" b="b"/>
+            <a:pathLst>
+              <a:path w="3552515" h="3179427">
+                <a:moveTo>
+                  <a:pt x="247253" y="92278"/>
+                </a:moveTo>
+                <a:cubicBezTo>
+                  <a:pt x="223484" y="95074"/>
+                  <a:pt x="218528" y="101845"/>
+                  <a:pt x="205308" y="109056"/>
+                </a:cubicBezTo>
+                <a:cubicBezTo>
+                  <a:pt x="187606" y="118712"/>
+                  <a:pt x="154974" y="142612"/>
+                  <a:pt x="154974" y="142612"/>
+                </a:cubicBezTo>
+                <a:lnTo>
+                  <a:pt x="87862" y="243280"/>
+                </a:lnTo>
+                <a:cubicBezTo>
+                  <a:pt x="82269" y="251669"/>
+                  <a:pt x="79473" y="262854"/>
+                  <a:pt x="71084" y="268447"/>
+                </a:cubicBezTo>
+                <a:lnTo>
+                  <a:pt x="45917" y="285225"/>
+                </a:lnTo>
+                <a:cubicBezTo>
+                  <a:pt x="43121" y="299207"/>
+                  <a:pt x="42037" y="313643"/>
+                  <a:pt x="37528" y="327170"/>
+                </a:cubicBezTo>
+                <a:cubicBezTo>
+                  <a:pt x="33573" y="339034"/>
+                  <a:pt x="25141" y="349017"/>
+                  <a:pt x="20750" y="360726"/>
+                </a:cubicBezTo>
+                <a:cubicBezTo>
+                  <a:pt x="16702" y="371521"/>
+                  <a:pt x="15157" y="383097"/>
+                  <a:pt x="12361" y="394282"/>
+                </a:cubicBezTo>
+                <a:cubicBezTo>
+                  <a:pt x="-9102" y="630376"/>
+                  <a:pt x="1728" y="473956"/>
+                  <a:pt x="12361" y="931178"/>
+                </a:cubicBezTo>
+                <a:cubicBezTo>
+                  <a:pt x="14507" y="1023474"/>
+                  <a:pt x="16853" y="1115775"/>
+                  <a:pt x="20750" y="1208014"/>
+                </a:cubicBezTo>
+                <a:cubicBezTo>
+                  <a:pt x="23016" y="1261652"/>
+                  <a:pt x="18705" y="1459892"/>
+                  <a:pt x="45917" y="1568741"/>
+                </a:cubicBezTo>
+                <a:cubicBezTo>
+                  <a:pt x="48062" y="1577320"/>
+                  <a:pt x="51510" y="1585519"/>
+                  <a:pt x="54306" y="1593908"/>
+                </a:cubicBezTo>
+                <a:cubicBezTo>
+                  <a:pt x="57102" y="1616279"/>
+                  <a:pt x="60558" y="1638577"/>
+                  <a:pt x="62695" y="1661020"/>
+                </a:cubicBezTo>
+                <a:cubicBezTo>
+                  <a:pt x="71189" y="1750210"/>
+                  <a:pt x="65650" y="1751294"/>
+                  <a:pt x="79473" y="1820411"/>
+                </a:cubicBezTo>
+                <a:cubicBezTo>
+                  <a:pt x="82134" y="1833716"/>
+                  <a:pt x="90254" y="1865140"/>
+                  <a:pt x="96251" y="1879133"/>
+                </a:cubicBezTo>
+                <a:cubicBezTo>
+                  <a:pt x="124865" y="1945897"/>
+                  <a:pt x="99284" y="1879538"/>
+                  <a:pt x="138196" y="1946245"/>
+                </a:cubicBezTo>
+                <a:cubicBezTo>
+                  <a:pt x="150798" y="1967849"/>
+                  <a:pt x="160567" y="1990986"/>
+                  <a:pt x="171752" y="2013357"/>
+                </a:cubicBezTo>
+                <a:cubicBezTo>
+                  <a:pt x="182008" y="2033870"/>
+                  <a:pt x="190486" y="2054294"/>
+                  <a:pt x="205308" y="2072080"/>
+                </a:cubicBezTo>
+                <a:cubicBezTo>
+                  <a:pt x="212903" y="2081194"/>
+                  <a:pt x="222086" y="2088858"/>
+                  <a:pt x="230475" y="2097247"/>
+                </a:cubicBezTo>
+                <a:cubicBezTo>
+                  <a:pt x="233271" y="2105636"/>
+                  <a:pt x="237410" y="2113692"/>
+                  <a:pt x="238864" y="2122414"/>
+                </a:cubicBezTo>
+                <a:cubicBezTo>
+                  <a:pt x="243027" y="2147391"/>
+                  <a:pt x="241559" y="2173242"/>
+                  <a:pt x="247253" y="2197915"/>
+                </a:cubicBezTo>
+                <a:cubicBezTo>
+                  <a:pt x="250065" y="2210100"/>
+                  <a:pt x="259105" y="2219977"/>
+                  <a:pt x="264031" y="2231471"/>
+                </a:cubicBezTo>
+                <a:cubicBezTo>
+                  <a:pt x="267514" y="2239599"/>
+                  <a:pt x="270502" y="2248006"/>
+                  <a:pt x="272420" y="2256638"/>
+                </a:cubicBezTo>
+                <a:cubicBezTo>
+                  <a:pt x="276110" y="2273242"/>
+                  <a:pt x="277766" y="2290237"/>
+                  <a:pt x="280809" y="2306972"/>
+                </a:cubicBezTo>
+                <a:cubicBezTo>
+                  <a:pt x="285134" y="2330758"/>
+                  <a:pt x="290855" y="2358909"/>
+                  <a:pt x="297587" y="2382473"/>
+                </a:cubicBezTo>
+                <a:cubicBezTo>
+                  <a:pt x="300016" y="2390976"/>
+                  <a:pt x="303180" y="2399251"/>
+                  <a:pt x="305976" y="2407640"/>
+                </a:cubicBezTo>
+                <a:cubicBezTo>
+                  <a:pt x="308772" y="2430011"/>
+                  <a:pt x="310332" y="2452571"/>
+                  <a:pt x="314365" y="2474752"/>
+                </a:cubicBezTo>
+                <a:cubicBezTo>
+                  <a:pt x="315947" y="2483452"/>
+                  <a:pt x="320325" y="2491416"/>
+                  <a:pt x="322754" y="2499919"/>
+                </a:cubicBezTo>
+                <a:cubicBezTo>
+                  <a:pt x="325921" y="2511005"/>
+                  <a:pt x="327976" y="2522389"/>
+                  <a:pt x="331143" y="2533475"/>
+                </a:cubicBezTo>
+                <a:cubicBezTo>
+                  <a:pt x="333572" y="2541978"/>
+                  <a:pt x="337614" y="2550010"/>
+                  <a:pt x="339532" y="2558642"/>
+                </a:cubicBezTo>
+                <a:cubicBezTo>
+                  <a:pt x="344687" y="2581840"/>
+                  <a:pt x="344979" y="2611481"/>
+                  <a:pt x="356310" y="2634143"/>
+                </a:cubicBezTo>
+                <a:cubicBezTo>
+                  <a:pt x="360819" y="2643161"/>
+                  <a:pt x="368579" y="2650292"/>
+                  <a:pt x="373088" y="2659310"/>
+                </a:cubicBezTo>
+                <a:cubicBezTo>
+                  <a:pt x="377043" y="2667219"/>
+                  <a:pt x="378372" y="2676197"/>
+                  <a:pt x="381477" y="2684477"/>
+                </a:cubicBezTo>
+                <a:cubicBezTo>
+                  <a:pt x="386764" y="2698577"/>
+                  <a:pt x="391521" y="2712953"/>
+                  <a:pt x="398255" y="2726422"/>
+                </a:cubicBezTo>
+                <a:cubicBezTo>
+                  <a:pt x="402764" y="2735440"/>
+                  <a:pt x="409440" y="2743200"/>
+                  <a:pt x="415033" y="2751589"/>
+                </a:cubicBezTo>
+                <a:cubicBezTo>
+                  <a:pt x="419957" y="2776208"/>
+                  <a:pt x="422138" y="2796129"/>
+                  <a:pt x="431811" y="2818700"/>
+                </a:cubicBezTo>
+                <a:cubicBezTo>
+                  <a:pt x="475933" y="2921651"/>
+                  <a:pt x="423242" y="2793173"/>
+                  <a:pt x="465367" y="2877423"/>
+                </a:cubicBezTo>
+                <a:cubicBezTo>
+                  <a:pt x="483624" y="2913938"/>
+                  <a:pt x="461438" y="2895411"/>
+                  <a:pt x="490534" y="2936146"/>
+                </a:cubicBezTo>
+                <a:cubicBezTo>
+                  <a:pt x="497429" y="2945800"/>
+                  <a:pt x="508105" y="2952199"/>
+                  <a:pt x="515700" y="2961313"/>
+                </a:cubicBezTo>
+                <a:cubicBezTo>
+                  <a:pt x="550652" y="3003257"/>
+                  <a:pt x="511507" y="2972500"/>
+                  <a:pt x="557645" y="3003258"/>
+                </a:cubicBezTo>
+                <a:cubicBezTo>
+                  <a:pt x="574423" y="3053592"/>
+                  <a:pt x="552052" y="3008851"/>
+                  <a:pt x="591201" y="3036814"/>
+                </a:cubicBezTo>
+                <a:cubicBezTo>
+                  <a:pt x="604073" y="3046008"/>
+                  <a:pt x="612852" y="3059953"/>
+                  <a:pt x="624757" y="3070370"/>
+                </a:cubicBezTo>
+                <a:cubicBezTo>
+                  <a:pt x="633230" y="3077784"/>
+                  <a:pt x="670583" y="3104946"/>
+                  <a:pt x="683480" y="3112315"/>
+                </a:cubicBezTo>
+                <a:cubicBezTo>
+                  <a:pt x="694338" y="3118520"/>
+                  <a:pt x="706860" y="3121824"/>
+                  <a:pt x="717036" y="3129093"/>
+                </a:cubicBezTo>
+                <a:cubicBezTo>
+                  <a:pt x="726690" y="3135989"/>
+                  <a:pt x="732142" y="3147972"/>
+                  <a:pt x="742203" y="3154260"/>
+                </a:cubicBezTo>
+                <a:cubicBezTo>
+                  <a:pt x="771597" y="3172631"/>
+                  <a:pt x="801310" y="3173898"/>
+                  <a:pt x="834482" y="3179427"/>
+                </a:cubicBezTo>
+                <a:cubicBezTo>
+                  <a:pt x="893205" y="3176631"/>
+                  <a:pt x="952174" y="3177087"/>
+                  <a:pt x="1010651" y="3171038"/>
+                </a:cubicBezTo>
+                <a:cubicBezTo>
+                  <a:pt x="1033588" y="3168665"/>
+                  <a:pt x="1077763" y="3154260"/>
+                  <a:pt x="1077763" y="3154260"/>
+                </a:cubicBezTo>
+                <a:cubicBezTo>
+                  <a:pt x="1117645" y="3127672"/>
+                  <a:pt x="1093365" y="3140670"/>
+                  <a:pt x="1153264" y="3120704"/>
+                </a:cubicBezTo>
+                <a:lnTo>
+                  <a:pt x="1178431" y="3112315"/>
+                </a:lnTo>
+                <a:cubicBezTo>
+                  <a:pt x="1284691" y="3115111"/>
+                  <a:pt x="1391030" y="3115765"/>
+                  <a:pt x="1497212" y="3120704"/>
+                </a:cubicBezTo>
+                <a:cubicBezTo>
+                  <a:pt x="1511455" y="3121366"/>
+                  <a:pt x="1524986" y="3127518"/>
+                  <a:pt x="1539157" y="3129093"/>
+                </a:cubicBezTo>
+                <a:cubicBezTo>
+                  <a:pt x="1575394" y="3133119"/>
+                  <a:pt x="1611862" y="3134686"/>
+                  <a:pt x="1648214" y="3137482"/>
+                </a:cubicBezTo>
+                <a:cubicBezTo>
+                  <a:pt x="1743289" y="3134686"/>
+                  <a:pt x="1838324" y="3129093"/>
+                  <a:pt x="1933440" y="3129093"/>
+                </a:cubicBezTo>
+                <a:cubicBezTo>
+                  <a:pt x="2131943" y="3129093"/>
+                  <a:pt x="2743763" y="3141375"/>
+                  <a:pt x="2982064" y="3145871"/>
+                </a:cubicBezTo>
+                <a:cubicBezTo>
+                  <a:pt x="3010027" y="3148667"/>
+                  <a:pt x="3037851" y="3154260"/>
+                  <a:pt x="3065954" y="3154260"/>
+                </a:cubicBezTo>
+                <a:cubicBezTo>
+                  <a:pt x="3108373" y="3154260"/>
+                  <a:pt x="3102691" y="3146450"/>
+                  <a:pt x="3133066" y="3129093"/>
+                </a:cubicBezTo>
+                <a:cubicBezTo>
+                  <a:pt x="3143924" y="3122888"/>
+                  <a:pt x="3155165" y="3117328"/>
+                  <a:pt x="3166622" y="3112315"/>
+                </a:cubicBezTo>
+                <a:cubicBezTo>
+                  <a:pt x="3199926" y="3097744"/>
+                  <a:pt x="3234070" y="3085134"/>
+                  <a:pt x="3267289" y="3070370"/>
+                </a:cubicBezTo>
+                <a:cubicBezTo>
+                  <a:pt x="3284431" y="3062751"/>
+                  <a:pt x="3300624" y="3053136"/>
+                  <a:pt x="3317623" y="3045203"/>
+                </a:cubicBezTo>
+                <a:cubicBezTo>
+                  <a:pt x="3369405" y="3021038"/>
+                  <a:pt x="3410630" y="3010919"/>
+                  <a:pt x="3451847" y="2969702"/>
+                </a:cubicBezTo>
+                <a:cubicBezTo>
+                  <a:pt x="3474392" y="2947157"/>
+                  <a:pt x="3492884" y="2920729"/>
+                  <a:pt x="3510570" y="2894201"/>
+                </a:cubicBezTo>
+                <a:cubicBezTo>
+                  <a:pt x="3526521" y="2870275"/>
+                  <a:pt x="3541575" y="2829272"/>
+                  <a:pt x="3552515" y="2801922"/>
+                </a:cubicBezTo>
+                <a:cubicBezTo>
+                  <a:pt x="3546922" y="2729218"/>
+                  <a:pt x="3542993" y="2656366"/>
+                  <a:pt x="3535737" y="2583809"/>
+                </a:cubicBezTo>
+                <a:cubicBezTo>
+                  <a:pt x="3534590" y="2572337"/>
+                  <a:pt x="3529849" y="2561508"/>
+                  <a:pt x="3527348" y="2550253"/>
+                </a:cubicBezTo>
+                <a:cubicBezTo>
+                  <a:pt x="3524255" y="2536334"/>
+                  <a:pt x="3523966" y="2521659"/>
+                  <a:pt x="3518959" y="2508308"/>
+                </a:cubicBezTo>
+                <a:cubicBezTo>
+                  <a:pt x="3514218" y="2495664"/>
+                  <a:pt x="3469465" y="2442316"/>
+                  <a:pt x="3468625" y="2441196"/>
+                </a:cubicBezTo>
+                <a:cubicBezTo>
+                  <a:pt x="3458643" y="2427886"/>
+                  <a:pt x="3431417" y="2383558"/>
+                  <a:pt x="3426680" y="2374084"/>
+                </a:cubicBezTo>
+                <a:cubicBezTo>
+                  <a:pt x="3422725" y="2366175"/>
+                  <a:pt x="3422246" y="2356826"/>
+                  <a:pt x="3418291" y="2348917"/>
+                </a:cubicBezTo>
+                <a:cubicBezTo>
+                  <a:pt x="3413782" y="2339899"/>
+                  <a:pt x="3406022" y="2332768"/>
+                  <a:pt x="3401513" y="2323750"/>
+                </a:cubicBezTo>
+                <a:cubicBezTo>
+                  <a:pt x="3397558" y="2315841"/>
+                  <a:pt x="3398264" y="2305779"/>
+                  <a:pt x="3393124" y="2298583"/>
+                </a:cubicBezTo>
+                <a:cubicBezTo>
+                  <a:pt x="3369569" y="2265606"/>
+                  <a:pt x="3358819" y="2264653"/>
+                  <a:pt x="3326012" y="2248249"/>
+                </a:cubicBezTo>
+                <a:cubicBezTo>
+                  <a:pt x="3287494" y="2190471"/>
+                  <a:pt x="3336706" y="2260725"/>
+                  <a:pt x="3275678" y="2189526"/>
+                </a:cubicBezTo>
+                <a:cubicBezTo>
+                  <a:pt x="3245322" y="2154110"/>
+                  <a:pt x="3276072" y="2170083"/>
+                  <a:pt x="3233734" y="2155970"/>
+                </a:cubicBezTo>
+                <a:cubicBezTo>
+                  <a:pt x="3219962" y="2114655"/>
+                  <a:pt x="3235205" y="2143214"/>
+                  <a:pt x="3200178" y="2114025"/>
+                </a:cubicBezTo>
+                <a:cubicBezTo>
+                  <a:pt x="3191064" y="2106430"/>
+                  <a:pt x="3182606" y="2097972"/>
+                  <a:pt x="3175011" y="2088858"/>
+                </a:cubicBezTo>
+                <a:cubicBezTo>
+                  <a:pt x="3168556" y="2081113"/>
+                  <a:pt x="3165821" y="2070330"/>
+                  <a:pt x="3158233" y="2063691"/>
+                </a:cubicBezTo>
+                <a:cubicBezTo>
+                  <a:pt x="3143058" y="2050412"/>
+                  <a:pt x="3124677" y="2041320"/>
+                  <a:pt x="3107899" y="2030135"/>
+                </a:cubicBezTo>
+                <a:cubicBezTo>
+                  <a:pt x="3099510" y="2024542"/>
+                  <a:pt x="3092297" y="2016545"/>
+                  <a:pt x="3082732" y="2013357"/>
+                </a:cubicBezTo>
+                <a:lnTo>
+                  <a:pt x="3032398" y="1996579"/>
+                </a:lnTo>
+                <a:cubicBezTo>
+                  <a:pt x="3001308" y="1998522"/>
+                  <a:pt x="2860543" y="2005647"/>
+                  <a:pt x="2814284" y="2013357"/>
+                </a:cubicBezTo>
+                <a:cubicBezTo>
+                  <a:pt x="2606784" y="2047940"/>
+                  <a:pt x="2819594" y="2016837"/>
+                  <a:pt x="2722005" y="2038524"/>
+                </a:cubicBezTo>
+                <a:cubicBezTo>
+                  <a:pt x="2668704" y="2050369"/>
+                  <a:pt x="2617903" y="2051049"/>
+                  <a:pt x="2562614" y="2055302"/>
+                </a:cubicBezTo>
+                <a:cubicBezTo>
+                  <a:pt x="2554225" y="2058098"/>
+                  <a:pt x="2546118" y="2061957"/>
+                  <a:pt x="2537447" y="2063691"/>
+                </a:cubicBezTo>
+                <a:cubicBezTo>
+                  <a:pt x="2475795" y="2076021"/>
+                  <a:pt x="2404488" y="2076284"/>
+                  <a:pt x="2344500" y="2080469"/>
+                </a:cubicBezTo>
+                <a:lnTo>
+                  <a:pt x="2117998" y="2097247"/>
+                </a:lnTo>
+                <a:cubicBezTo>
+                  <a:pt x="2055558" y="2107654"/>
+                  <a:pt x="1939530" y="2126295"/>
+                  <a:pt x="1883106" y="2139192"/>
+                </a:cubicBezTo>
+                <a:cubicBezTo>
+                  <a:pt x="1829548" y="2151434"/>
+                  <a:pt x="1775835" y="2163764"/>
+                  <a:pt x="1723715" y="2181137"/>
+                </a:cubicBezTo>
+                <a:cubicBezTo>
+                  <a:pt x="1586016" y="2227037"/>
+                  <a:pt x="1637426" y="2203309"/>
+                  <a:pt x="1564324" y="2239860"/>
+                </a:cubicBezTo>
+                <a:cubicBezTo>
+                  <a:pt x="1558234" y="2238845"/>
+                  <a:pt x="1502591" y="2232261"/>
+                  <a:pt x="1488823" y="2223082"/>
+                </a:cubicBezTo>
+                <a:cubicBezTo>
+                  <a:pt x="1405968" y="2167846"/>
+                  <a:pt x="1547342" y="2231369"/>
+                  <a:pt x="1413323" y="2164359"/>
+                </a:cubicBezTo>
+                <a:cubicBezTo>
+                  <a:pt x="1403011" y="2159203"/>
+                  <a:pt x="1390705" y="2159616"/>
+                  <a:pt x="1379767" y="2155970"/>
+                </a:cubicBezTo>
+                <a:cubicBezTo>
+                  <a:pt x="1357101" y="2148415"/>
+                  <a:pt x="1335675" y="2137198"/>
+                  <a:pt x="1312655" y="2130803"/>
+                </a:cubicBezTo>
+                <a:cubicBezTo>
+                  <a:pt x="1285178" y="2123171"/>
+                  <a:pt x="1256894" y="2118713"/>
+                  <a:pt x="1228765" y="2114025"/>
+                </a:cubicBezTo>
+                <a:cubicBezTo>
+                  <a:pt x="1211987" y="2111229"/>
+                  <a:pt x="1194933" y="2109761"/>
+                  <a:pt x="1178431" y="2105636"/>
+                </a:cubicBezTo>
+                <a:cubicBezTo>
+                  <a:pt x="1161273" y="2101347"/>
+                  <a:pt x="1144875" y="2094451"/>
+                  <a:pt x="1128097" y="2088858"/>
+                </a:cubicBezTo>
+                <a:lnTo>
+                  <a:pt x="1102930" y="2080469"/>
+                </a:lnTo>
+                <a:cubicBezTo>
+                  <a:pt x="1094541" y="2077673"/>
+                  <a:pt x="1086517" y="2073331"/>
+                  <a:pt x="1077763" y="2072080"/>
+                </a:cubicBezTo>
+                <a:lnTo>
+                  <a:pt x="1019040" y="2063691"/>
+                </a:lnTo>
+                <a:cubicBezTo>
+                  <a:pt x="1010651" y="2058098"/>
+                  <a:pt x="1002891" y="2051422"/>
+                  <a:pt x="993873" y="2046913"/>
+                </a:cubicBezTo>
+                <a:cubicBezTo>
+                  <a:pt x="985964" y="2042958"/>
+                  <a:pt x="976064" y="2043429"/>
+                  <a:pt x="968706" y="2038524"/>
+                </a:cubicBezTo>
+                <a:cubicBezTo>
+                  <a:pt x="958835" y="2031943"/>
+                  <a:pt x="952653" y="2020952"/>
+                  <a:pt x="943539" y="2013357"/>
+                </a:cubicBezTo>
+                <a:cubicBezTo>
+                  <a:pt x="935794" y="2006902"/>
+                  <a:pt x="926761" y="2002172"/>
+                  <a:pt x="918372" y="1996579"/>
+                </a:cubicBezTo>
+                <a:lnTo>
+                  <a:pt x="884816" y="1946245"/>
+                </a:lnTo>
+                <a:cubicBezTo>
+                  <a:pt x="879223" y="1937856"/>
+                  <a:pt x="871226" y="1930643"/>
+                  <a:pt x="868038" y="1921078"/>
+                </a:cubicBezTo>
+                <a:cubicBezTo>
+                  <a:pt x="841034" y="1840066"/>
+                  <a:pt x="884336" y="1966018"/>
+                  <a:pt x="842871" y="1862356"/>
+                </a:cubicBezTo>
+                <a:cubicBezTo>
+                  <a:pt x="836303" y="1845935"/>
+                  <a:pt x="831686" y="1828800"/>
+                  <a:pt x="826093" y="1812022"/>
+                </a:cubicBezTo>
+                <a:lnTo>
+                  <a:pt x="817704" y="1786855"/>
+                </a:lnTo>
+                <a:cubicBezTo>
+                  <a:pt x="814908" y="1778466"/>
+                  <a:pt x="811049" y="1770359"/>
+                  <a:pt x="809315" y="1761688"/>
+                </a:cubicBezTo>
+                <a:lnTo>
+                  <a:pt x="800926" y="1719743"/>
+                </a:lnTo>
+                <a:cubicBezTo>
+                  <a:pt x="798130" y="1619075"/>
+                  <a:pt x="797695" y="1518314"/>
+                  <a:pt x="792537" y="1417739"/>
+                </a:cubicBezTo>
+                <a:cubicBezTo>
+                  <a:pt x="792084" y="1408908"/>
+                  <a:pt x="788103" y="1400481"/>
+                  <a:pt x="784148" y="1392572"/>
+                </a:cubicBezTo>
+                <a:cubicBezTo>
+                  <a:pt x="779639" y="1383554"/>
+                  <a:pt x="772963" y="1375794"/>
+                  <a:pt x="767370" y="1367405"/>
+                </a:cubicBezTo>
+                <a:cubicBezTo>
+                  <a:pt x="764574" y="1350627"/>
+                  <a:pt x="763456" y="1333481"/>
+                  <a:pt x="758981" y="1317071"/>
+                </a:cubicBezTo>
+                <a:cubicBezTo>
+                  <a:pt x="751858" y="1290952"/>
+                  <a:pt x="728233" y="1247185"/>
+                  <a:pt x="717036" y="1224792"/>
+                </a:cubicBezTo>
+                <a:cubicBezTo>
+                  <a:pt x="694337" y="1065900"/>
+                  <a:pt x="704241" y="1158634"/>
+                  <a:pt x="717036" y="847288"/>
+                </a:cubicBezTo>
+                <a:cubicBezTo>
+                  <a:pt x="721061" y="749339"/>
+                  <a:pt x="724295" y="651241"/>
+                  <a:pt x="733814" y="553673"/>
+                </a:cubicBezTo>
+                <a:cubicBezTo>
+                  <a:pt x="735531" y="536071"/>
+                  <a:pt x="744999" y="520117"/>
+                  <a:pt x="750592" y="503339"/>
+                </a:cubicBezTo>
+                <a:cubicBezTo>
+                  <a:pt x="766666" y="455116"/>
+                  <a:pt x="751569" y="502551"/>
+                  <a:pt x="767370" y="444616"/>
+                </a:cubicBezTo>
+                <a:cubicBezTo>
+                  <a:pt x="772726" y="424976"/>
+                  <a:pt x="772856" y="402832"/>
+                  <a:pt x="784148" y="385893"/>
+                </a:cubicBezTo>
+                <a:cubicBezTo>
+                  <a:pt x="791085" y="375488"/>
+                  <a:pt x="806519" y="374708"/>
+                  <a:pt x="817704" y="369115"/>
+                </a:cubicBezTo>
+                <a:cubicBezTo>
+                  <a:pt x="820500" y="360726"/>
+                  <a:pt x="819840" y="350201"/>
+                  <a:pt x="826093" y="343948"/>
+                </a:cubicBezTo>
+                <a:cubicBezTo>
+                  <a:pt x="905294" y="264747"/>
+                  <a:pt x="844885" y="348198"/>
+                  <a:pt x="926761" y="293614"/>
+                </a:cubicBezTo>
+                <a:lnTo>
+                  <a:pt x="951928" y="276836"/>
+                </a:lnTo>
+                <a:cubicBezTo>
+                  <a:pt x="957521" y="265651"/>
+                  <a:pt x="968706" y="255786"/>
+                  <a:pt x="968706" y="243280"/>
+                </a:cubicBezTo>
+                <a:cubicBezTo>
+                  <a:pt x="968706" y="189856"/>
+                  <a:pt x="964396" y="135838"/>
+                  <a:pt x="951928" y="83889"/>
+                </a:cubicBezTo>
+                <a:cubicBezTo>
+                  <a:pt x="945064" y="55291"/>
+                  <a:pt x="919007" y="29679"/>
+                  <a:pt x="893205" y="16778"/>
+                </a:cubicBezTo>
+                <a:cubicBezTo>
+                  <a:pt x="885296" y="12823"/>
+                  <a:pt x="876670" y="10307"/>
+                  <a:pt x="868038" y="8389"/>
+                </a:cubicBezTo>
+                <a:cubicBezTo>
+                  <a:pt x="851434" y="4699"/>
+                  <a:pt x="834482" y="2796"/>
+                  <a:pt x="817704" y="0"/>
+                </a:cubicBezTo>
+                <a:cubicBezTo>
+                  <a:pt x="770166" y="2796"/>
+                  <a:pt x="722475" y="3651"/>
+                  <a:pt x="675091" y="8389"/>
+                </a:cubicBezTo>
+                <a:cubicBezTo>
+                  <a:pt x="666292" y="9269"/>
+                  <a:pt x="658556" y="14860"/>
+                  <a:pt x="649924" y="16778"/>
+                </a:cubicBezTo>
+                <a:cubicBezTo>
+                  <a:pt x="633320" y="20468"/>
+                  <a:pt x="616194" y="21477"/>
+                  <a:pt x="599590" y="25167"/>
+                </a:cubicBezTo>
+                <a:cubicBezTo>
+                  <a:pt x="590958" y="27085"/>
+                  <a:pt x="582926" y="31127"/>
+                  <a:pt x="574423" y="33556"/>
+                </a:cubicBezTo>
+                <a:cubicBezTo>
+                  <a:pt x="563337" y="36723"/>
+                  <a:pt x="552122" y="39444"/>
+                  <a:pt x="540867" y="41945"/>
+                </a:cubicBezTo>
+                <a:cubicBezTo>
+                  <a:pt x="526948" y="45038"/>
+                  <a:pt x="512679" y="46582"/>
+                  <a:pt x="498923" y="50333"/>
+                </a:cubicBezTo>
+                <a:cubicBezTo>
+                  <a:pt x="481861" y="54986"/>
+                  <a:pt x="465367" y="61518"/>
+                  <a:pt x="448589" y="67111"/>
+                </a:cubicBezTo>
+                <a:cubicBezTo>
+                  <a:pt x="440200" y="69907"/>
+                  <a:pt x="432144" y="74046"/>
+                  <a:pt x="423422" y="75500"/>
+                </a:cubicBezTo>
+                <a:cubicBezTo>
+                  <a:pt x="406644" y="78296"/>
+                  <a:pt x="389692" y="80199"/>
+                  <a:pt x="373088" y="83889"/>
+                </a:cubicBezTo>
+                <a:cubicBezTo>
+                  <a:pt x="364456" y="85807"/>
+                  <a:pt x="356643" y="90824"/>
+                  <a:pt x="347921" y="92278"/>
+                </a:cubicBezTo>
+                <a:cubicBezTo>
+                  <a:pt x="293881" y="101285"/>
+                  <a:pt x="271022" y="89482"/>
+                  <a:pt x="247253" y="92278"/>
+                </a:cubicBezTo>
+                <a:close/>
+              </a:path>
+            </a:pathLst>
+          </a:custGeom>
+          <a:noFill/>
+          <a:ln w="28575">
+            <a:solidFill>
+              <a:srgbClr val="FF0000"/>
+            </a:solidFill>
+            <a:prstDash val="sysDot"/>
+          </a:ln>
+        </p:spPr>
+        <p:style>
+          <a:lnRef idx="2">
+            <a:schemeClr val="accent1">
+              <a:shade val="50000"/>
+            </a:schemeClr>
+          </a:lnRef>
+          <a:fillRef idx="1">
+            <a:schemeClr val="accent1"/>
+          </a:fillRef>
+          <a:effectRef idx="0">
+            <a:schemeClr val="accent1"/>
+          </a:effectRef>
+          <a:fontRef idx="minor">
+            <a:schemeClr val="lt1"/>
+          </a:fontRef>
+        </p:style>
+        <p:txBody>
+          <a:bodyPr rot="0" spcFirstLastPara="0" vertOverflow="overflow" horzOverflow="overflow" vert="horz" wrap="square" lIns="91440" tIns="45720" rIns="91440" bIns="45720" numCol="1" spcCol="0" rtlCol="0" fromWordArt="0" anchor="ctr" anchorCtr="0" forceAA="0" compatLnSpc="1">
+            <a:prstTxWarp prst="textNoShape">
+              <a:avLst/>
+            </a:prstTxWarp>
+            <a:noAutofit/>
+          </a:bodyPr>
+          <a:lstStyle/>
+          <a:p>
+            <a:pPr algn="ctr"/>
+            <a:endParaRPr lang="en-US"/>
+          </a:p>
+        </p:txBody>
+      </p:sp>
     </p:spTree>
     <p:extLst>
       <p:ext uri="{BB962C8B-B14F-4D97-AF65-F5344CB8AC3E}">
